--- a/docs/Parallel GET and PUT in UNISON.pptx
+++ b/docs/Parallel GET and PUT in UNISON.pptx
@@ -4,6 +4,9 @@
   <p:sldMasterIdLst>
     <p:sldMasterId id="2147483648" r:id="rId1"/>
   </p:sldMasterIdLst>
+  <p:notesMasterIdLst>
+    <p:notesMasterId r:id="rId23"/>
+  </p:notesMasterIdLst>
   <p:sldIdLst>
     <p:sldId id="256" r:id="rId2"/>
     <p:sldId id="257" r:id="rId3"/>
@@ -21,8 +24,11 @@
     <p:sldId id="268" r:id="rId15"/>
     <p:sldId id="269" r:id="rId16"/>
     <p:sldId id="271" r:id="rId17"/>
-    <p:sldId id="272" r:id="rId18"/>
-    <p:sldId id="273" r:id="rId19"/>
+    <p:sldId id="274" r:id="rId18"/>
+    <p:sldId id="275" r:id="rId19"/>
+    <p:sldId id="272" r:id="rId20"/>
+    <p:sldId id="276" r:id="rId21"/>
+    <p:sldId id="273" r:id="rId22"/>
   </p:sldIdLst>
   <p:sldSz cx="12192000" cy="6858000"/>
   <p:notesSz cx="6858000" cy="9144000"/>
@@ -121,7 +127,732 @@
       </a:defRPr>
     </a:lvl9pPr>
   </p:defaultTextStyle>
+  <p:extLst>
+    <p:ext uri="{EFAFB233-063F-42B5-8137-9DF3F51BA10A}">
+      <p15:sldGuideLst xmlns:p15="http://schemas.microsoft.com/office/powerpoint/2012/main"/>
+    </p:ext>
+  </p:extLst>
 </p:presentation>
+</file>
+
+<file path=ppt/notesMasters/notesMaster1.xml><?xml version="1.0" encoding="utf-8"?>
+<p:notesMaster xmlns:a="http://schemas.openxmlformats.org/drawingml/2006/main" xmlns:r="http://schemas.openxmlformats.org/officeDocument/2006/relationships" xmlns:p="http://schemas.openxmlformats.org/presentationml/2006/main">
+  <p:cSld>
+    <p:bg>
+      <p:bgRef idx="1001">
+        <a:schemeClr val="bg1"/>
+      </p:bgRef>
+    </p:bg>
+    <p:spTree>
+      <p:nvGrpSpPr>
+        <p:cNvPr id="1" name=""/>
+        <p:cNvGrpSpPr/>
+        <p:nvPr/>
+      </p:nvGrpSpPr>
+      <p:grpSpPr>
+        <a:xfrm>
+          <a:off x="0" y="0"/>
+          <a:ext cx="0" cy="0"/>
+          <a:chOff x="0" y="0"/>
+          <a:chExt cx="0" cy="0"/>
+        </a:xfrm>
+      </p:grpSpPr>
+      <p:sp>
+        <p:nvSpPr>
+          <p:cNvPr id="2" name="Header Placeholder 1"/>
+          <p:cNvSpPr>
+            <a:spLocks noGrp="1"/>
+          </p:cNvSpPr>
+          <p:nvPr>
+            <p:ph type="hdr" sz="quarter"/>
+          </p:nvPr>
+        </p:nvSpPr>
+        <p:spPr>
+          <a:xfrm>
+            <a:off x="0" y="0"/>
+            <a:ext cx="2971800" cy="458788"/>
+          </a:xfrm>
+          <a:prstGeom prst="rect">
+            <a:avLst/>
+          </a:prstGeom>
+        </p:spPr>
+        <p:txBody>
+          <a:bodyPr vert="horz" lIns="91440" tIns="45720" rIns="91440" bIns="45720" rtlCol="0"/>
+          <a:lstStyle>
+            <a:lvl1pPr algn="l">
+              <a:defRPr sz="1200"/>
+            </a:lvl1pPr>
+          </a:lstStyle>
+          <a:p>
+            <a:endParaRPr lang="en-US"/>
+          </a:p>
+        </p:txBody>
+      </p:sp>
+      <p:sp>
+        <p:nvSpPr>
+          <p:cNvPr id="3" name="Date Placeholder 2"/>
+          <p:cNvSpPr>
+            <a:spLocks noGrp="1"/>
+          </p:cNvSpPr>
+          <p:nvPr>
+            <p:ph type="dt" idx="1"/>
+          </p:nvPr>
+        </p:nvSpPr>
+        <p:spPr>
+          <a:xfrm>
+            <a:off x="3884613" y="0"/>
+            <a:ext cx="2971800" cy="458788"/>
+          </a:xfrm>
+          <a:prstGeom prst="rect">
+            <a:avLst/>
+          </a:prstGeom>
+        </p:spPr>
+        <p:txBody>
+          <a:bodyPr vert="horz" lIns="91440" tIns="45720" rIns="91440" bIns="45720" rtlCol="0"/>
+          <a:lstStyle>
+            <a:lvl1pPr algn="r">
+              <a:defRPr sz="1200"/>
+            </a:lvl1pPr>
+          </a:lstStyle>
+          <a:p>
+            <a:fld id="{5A3C9B85-64BA-45B2-82A2-BB304EEF0E48}" type="datetimeFigureOut">
+              <a:rPr lang="en-US" smtClean="0"/>
+              <a:t>12/6/2018</a:t>
+            </a:fld>
+            <a:endParaRPr lang="en-US"/>
+          </a:p>
+        </p:txBody>
+      </p:sp>
+      <p:sp>
+        <p:nvSpPr>
+          <p:cNvPr id="4" name="Slide Image Placeholder 3"/>
+          <p:cNvSpPr>
+            <a:spLocks noGrp="1" noRot="1" noChangeAspect="1"/>
+          </p:cNvSpPr>
+          <p:nvPr>
+            <p:ph type="sldImg" idx="2"/>
+          </p:nvPr>
+        </p:nvSpPr>
+        <p:spPr>
+          <a:xfrm>
+            <a:off x="685800" y="1143000"/>
+            <a:ext cx="5486400" cy="3086100"/>
+          </a:xfrm>
+          <a:prstGeom prst="rect">
+            <a:avLst/>
+          </a:prstGeom>
+          <a:noFill/>
+          <a:ln w="12700">
+            <a:solidFill>
+              <a:prstClr val="black"/>
+            </a:solidFill>
+          </a:ln>
+        </p:spPr>
+        <p:txBody>
+          <a:bodyPr vert="horz" lIns="91440" tIns="45720" rIns="91440" bIns="45720" rtlCol="0" anchor="ctr"/>
+          <a:lstStyle/>
+          <a:p>
+            <a:endParaRPr lang="en-US"/>
+          </a:p>
+        </p:txBody>
+      </p:sp>
+      <p:sp>
+        <p:nvSpPr>
+          <p:cNvPr id="5" name="Notes Placeholder 4"/>
+          <p:cNvSpPr>
+            <a:spLocks noGrp="1"/>
+          </p:cNvSpPr>
+          <p:nvPr>
+            <p:ph type="body" sz="quarter" idx="3"/>
+          </p:nvPr>
+        </p:nvSpPr>
+        <p:spPr>
+          <a:xfrm>
+            <a:off x="685800" y="4400550"/>
+            <a:ext cx="5486400" cy="3600450"/>
+          </a:xfrm>
+          <a:prstGeom prst="rect">
+            <a:avLst/>
+          </a:prstGeom>
+        </p:spPr>
+        <p:txBody>
+          <a:bodyPr vert="horz" lIns="91440" tIns="45720" rIns="91440" bIns="45720" rtlCol="0"/>
+          <a:lstStyle/>
+          <a:p>
+            <a:pPr lvl="0"/>
+            <a:r>
+              <a:rPr lang="en-US"/>
+              <a:t>Edit Master text styles</a:t>
+            </a:r>
+          </a:p>
+          <a:p>
+            <a:pPr lvl="1"/>
+            <a:r>
+              <a:rPr lang="en-US"/>
+              <a:t>Second level</a:t>
+            </a:r>
+          </a:p>
+          <a:p>
+            <a:pPr lvl="2"/>
+            <a:r>
+              <a:rPr lang="en-US"/>
+              <a:t>Third level</a:t>
+            </a:r>
+          </a:p>
+          <a:p>
+            <a:pPr lvl="3"/>
+            <a:r>
+              <a:rPr lang="en-US"/>
+              <a:t>Fourth level</a:t>
+            </a:r>
+          </a:p>
+          <a:p>
+            <a:pPr lvl="4"/>
+            <a:r>
+              <a:rPr lang="en-US"/>
+              <a:t>Fifth level</a:t>
+            </a:r>
+          </a:p>
+        </p:txBody>
+      </p:sp>
+      <p:sp>
+        <p:nvSpPr>
+          <p:cNvPr id="6" name="Footer Placeholder 5"/>
+          <p:cNvSpPr>
+            <a:spLocks noGrp="1"/>
+          </p:cNvSpPr>
+          <p:nvPr>
+            <p:ph type="ftr" sz="quarter" idx="4"/>
+          </p:nvPr>
+        </p:nvSpPr>
+        <p:spPr>
+          <a:xfrm>
+            <a:off x="0" y="8685213"/>
+            <a:ext cx="2971800" cy="458787"/>
+          </a:xfrm>
+          <a:prstGeom prst="rect">
+            <a:avLst/>
+          </a:prstGeom>
+        </p:spPr>
+        <p:txBody>
+          <a:bodyPr vert="horz" lIns="91440" tIns="45720" rIns="91440" bIns="45720" rtlCol="0" anchor="b"/>
+          <a:lstStyle>
+            <a:lvl1pPr algn="l">
+              <a:defRPr sz="1200"/>
+            </a:lvl1pPr>
+          </a:lstStyle>
+          <a:p>
+            <a:endParaRPr lang="en-US"/>
+          </a:p>
+        </p:txBody>
+      </p:sp>
+      <p:sp>
+        <p:nvSpPr>
+          <p:cNvPr id="7" name="Slide Number Placeholder 6"/>
+          <p:cNvSpPr>
+            <a:spLocks noGrp="1"/>
+          </p:cNvSpPr>
+          <p:nvPr>
+            <p:ph type="sldNum" sz="quarter" idx="5"/>
+          </p:nvPr>
+        </p:nvSpPr>
+        <p:spPr>
+          <a:xfrm>
+            <a:off x="3884613" y="8685213"/>
+            <a:ext cx="2971800" cy="458787"/>
+          </a:xfrm>
+          <a:prstGeom prst="rect">
+            <a:avLst/>
+          </a:prstGeom>
+        </p:spPr>
+        <p:txBody>
+          <a:bodyPr vert="horz" lIns="91440" tIns="45720" rIns="91440" bIns="45720" rtlCol="0" anchor="b"/>
+          <a:lstStyle>
+            <a:lvl1pPr algn="r">
+              <a:defRPr sz="1200"/>
+            </a:lvl1pPr>
+          </a:lstStyle>
+          <a:p>
+            <a:fld id="{A2C4B5F3-3861-49BD-B7B7-7737250AC8C3}" type="slidenum">
+              <a:rPr lang="en-US" smtClean="0"/>
+              <a:t>‹#›</a:t>
+            </a:fld>
+            <a:endParaRPr lang="en-US"/>
+          </a:p>
+        </p:txBody>
+      </p:sp>
+    </p:spTree>
+    <p:extLst>
+      <p:ext uri="{BB962C8B-B14F-4D97-AF65-F5344CB8AC3E}">
+        <p14:creationId xmlns:p14="http://schemas.microsoft.com/office/powerpoint/2010/main" val="2677040312"/>
+      </p:ext>
+    </p:extLst>
+  </p:cSld>
+  <p:clrMap bg1="lt1" tx1="dk1" bg2="lt2" tx2="dk2" accent1="accent1" accent2="accent2" accent3="accent3" accent4="accent4" accent5="accent5" accent6="accent6" hlink="hlink" folHlink="folHlink"/>
+  <p:notesStyle>
+    <a:lvl1pPr marL="0" algn="l" defTabSz="914400" rtl="0" eaLnBrk="1" latinLnBrk="0" hangingPunct="1">
+      <a:defRPr sz="1200" kern="1200">
+        <a:solidFill>
+          <a:schemeClr val="tx1"/>
+        </a:solidFill>
+        <a:latin typeface="+mn-lt"/>
+        <a:ea typeface="+mn-ea"/>
+        <a:cs typeface="+mn-cs"/>
+      </a:defRPr>
+    </a:lvl1pPr>
+    <a:lvl2pPr marL="457200" algn="l" defTabSz="914400" rtl="0" eaLnBrk="1" latinLnBrk="0" hangingPunct="1">
+      <a:defRPr sz="1200" kern="1200">
+        <a:solidFill>
+          <a:schemeClr val="tx1"/>
+        </a:solidFill>
+        <a:latin typeface="+mn-lt"/>
+        <a:ea typeface="+mn-ea"/>
+        <a:cs typeface="+mn-cs"/>
+      </a:defRPr>
+    </a:lvl2pPr>
+    <a:lvl3pPr marL="914400" algn="l" defTabSz="914400" rtl="0" eaLnBrk="1" latinLnBrk="0" hangingPunct="1">
+      <a:defRPr sz="1200" kern="1200">
+        <a:solidFill>
+          <a:schemeClr val="tx1"/>
+        </a:solidFill>
+        <a:latin typeface="+mn-lt"/>
+        <a:ea typeface="+mn-ea"/>
+        <a:cs typeface="+mn-cs"/>
+      </a:defRPr>
+    </a:lvl3pPr>
+    <a:lvl4pPr marL="1371600" algn="l" defTabSz="914400" rtl="0" eaLnBrk="1" latinLnBrk="0" hangingPunct="1">
+      <a:defRPr sz="1200" kern="1200">
+        <a:solidFill>
+          <a:schemeClr val="tx1"/>
+        </a:solidFill>
+        <a:latin typeface="+mn-lt"/>
+        <a:ea typeface="+mn-ea"/>
+        <a:cs typeface="+mn-cs"/>
+      </a:defRPr>
+    </a:lvl4pPr>
+    <a:lvl5pPr marL="1828800" algn="l" defTabSz="914400" rtl="0" eaLnBrk="1" latinLnBrk="0" hangingPunct="1">
+      <a:defRPr sz="1200" kern="1200">
+        <a:solidFill>
+          <a:schemeClr val="tx1"/>
+        </a:solidFill>
+        <a:latin typeface="+mn-lt"/>
+        <a:ea typeface="+mn-ea"/>
+        <a:cs typeface="+mn-cs"/>
+      </a:defRPr>
+    </a:lvl5pPr>
+    <a:lvl6pPr marL="2286000" algn="l" defTabSz="914400" rtl="0" eaLnBrk="1" latinLnBrk="0" hangingPunct="1">
+      <a:defRPr sz="1200" kern="1200">
+        <a:solidFill>
+          <a:schemeClr val="tx1"/>
+        </a:solidFill>
+        <a:latin typeface="+mn-lt"/>
+        <a:ea typeface="+mn-ea"/>
+        <a:cs typeface="+mn-cs"/>
+      </a:defRPr>
+    </a:lvl6pPr>
+    <a:lvl7pPr marL="2743200" algn="l" defTabSz="914400" rtl="0" eaLnBrk="1" latinLnBrk="0" hangingPunct="1">
+      <a:defRPr sz="1200" kern="1200">
+        <a:solidFill>
+          <a:schemeClr val="tx1"/>
+        </a:solidFill>
+        <a:latin typeface="+mn-lt"/>
+        <a:ea typeface="+mn-ea"/>
+        <a:cs typeface="+mn-cs"/>
+      </a:defRPr>
+    </a:lvl7pPr>
+    <a:lvl8pPr marL="3200400" algn="l" defTabSz="914400" rtl="0" eaLnBrk="1" latinLnBrk="0" hangingPunct="1">
+      <a:defRPr sz="1200" kern="1200">
+        <a:solidFill>
+          <a:schemeClr val="tx1"/>
+        </a:solidFill>
+        <a:latin typeface="+mn-lt"/>
+        <a:ea typeface="+mn-ea"/>
+        <a:cs typeface="+mn-cs"/>
+      </a:defRPr>
+    </a:lvl8pPr>
+    <a:lvl9pPr marL="3657600" algn="l" defTabSz="914400" rtl="0" eaLnBrk="1" latinLnBrk="0" hangingPunct="1">
+      <a:defRPr sz="1200" kern="1200">
+        <a:solidFill>
+          <a:schemeClr val="tx1"/>
+        </a:solidFill>
+        <a:latin typeface="+mn-lt"/>
+        <a:ea typeface="+mn-ea"/>
+        <a:cs typeface="+mn-cs"/>
+      </a:defRPr>
+    </a:lvl9pPr>
+  </p:notesStyle>
+</p:notesMaster>
+</file>
+
+<file path=ppt/notesSlides/notesSlide1.xml><?xml version="1.0" encoding="utf-8"?>
+<p:notes xmlns:a="http://schemas.openxmlformats.org/drawingml/2006/main" xmlns:r="http://schemas.openxmlformats.org/officeDocument/2006/relationships" xmlns:p="http://schemas.openxmlformats.org/presentationml/2006/main">
+  <p:cSld>
+    <p:spTree>
+      <p:nvGrpSpPr>
+        <p:cNvPr id="1" name=""/>
+        <p:cNvGrpSpPr/>
+        <p:nvPr/>
+      </p:nvGrpSpPr>
+      <p:grpSpPr>
+        <a:xfrm>
+          <a:off x="0" y="0"/>
+          <a:ext cx="0" cy="0"/>
+          <a:chOff x="0" y="0"/>
+          <a:chExt cx="0" cy="0"/>
+        </a:xfrm>
+      </p:grpSpPr>
+      <p:sp>
+        <p:nvSpPr>
+          <p:cNvPr id="2" name="Slide Image Placeholder 1"/>
+          <p:cNvSpPr>
+            <a:spLocks noGrp="1" noRot="1" noChangeAspect="1"/>
+          </p:cNvSpPr>
+          <p:nvPr>
+            <p:ph type="sldImg"/>
+          </p:nvPr>
+        </p:nvSpPr>
+        <p:spPr/>
+      </p:sp>
+      <p:sp>
+        <p:nvSpPr>
+          <p:cNvPr id="3" name="Notes Placeholder 2"/>
+          <p:cNvSpPr>
+            <a:spLocks noGrp="1"/>
+          </p:cNvSpPr>
+          <p:nvPr>
+            <p:ph type="body" idx="1"/>
+          </p:nvPr>
+        </p:nvSpPr>
+        <p:spPr/>
+        <p:txBody>
+          <a:bodyPr/>
+          <a:lstStyle/>
+          <a:p>
+            <a:endParaRPr lang="en-US" dirty="0"/>
+          </a:p>
+        </p:txBody>
+      </p:sp>
+      <p:sp>
+        <p:nvSpPr>
+          <p:cNvPr id="4" name="Slide Number Placeholder 3"/>
+          <p:cNvSpPr>
+            <a:spLocks noGrp="1"/>
+          </p:cNvSpPr>
+          <p:nvPr>
+            <p:ph type="sldNum" sz="quarter" idx="5"/>
+          </p:nvPr>
+        </p:nvSpPr>
+        <p:spPr/>
+        <p:txBody>
+          <a:bodyPr/>
+          <a:lstStyle/>
+          <a:p>
+            <a:fld id="{A2C4B5F3-3861-49BD-B7B7-7737250AC8C3}" type="slidenum">
+              <a:rPr lang="en-US" smtClean="0"/>
+              <a:t>1</a:t>
+            </a:fld>
+            <a:endParaRPr lang="en-US"/>
+          </a:p>
+        </p:txBody>
+      </p:sp>
+    </p:spTree>
+    <p:extLst>
+      <p:ext uri="{BB962C8B-B14F-4D97-AF65-F5344CB8AC3E}">
+        <p14:creationId xmlns:p14="http://schemas.microsoft.com/office/powerpoint/2010/main" val="3076876915"/>
+      </p:ext>
+    </p:extLst>
+  </p:cSld>
+  <p:clrMapOvr>
+    <a:masterClrMapping/>
+  </p:clrMapOvr>
+</p:notes>
+</file>
+
+<file path=ppt/notesSlides/notesSlide2.xml><?xml version="1.0" encoding="utf-8"?>
+<p:notes xmlns:a="http://schemas.openxmlformats.org/drawingml/2006/main" xmlns:r="http://schemas.openxmlformats.org/officeDocument/2006/relationships" xmlns:p="http://schemas.openxmlformats.org/presentationml/2006/main">
+  <p:cSld>
+    <p:spTree>
+      <p:nvGrpSpPr>
+        <p:cNvPr id="1" name=""/>
+        <p:cNvGrpSpPr/>
+        <p:nvPr/>
+      </p:nvGrpSpPr>
+      <p:grpSpPr>
+        <a:xfrm>
+          <a:off x="0" y="0"/>
+          <a:ext cx="0" cy="0"/>
+          <a:chOff x="0" y="0"/>
+          <a:chExt cx="0" cy="0"/>
+        </a:xfrm>
+      </p:grpSpPr>
+      <p:sp>
+        <p:nvSpPr>
+          <p:cNvPr id="2" name="Slide Image Placeholder 1"/>
+          <p:cNvSpPr>
+            <a:spLocks noGrp="1" noRot="1" noChangeAspect="1"/>
+          </p:cNvSpPr>
+          <p:nvPr>
+            <p:ph type="sldImg"/>
+          </p:nvPr>
+        </p:nvSpPr>
+        <p:spPr/>
+      </p:sp>
+      <p:sp>
+        <p:nvSpPr>
+          <p:cNvPr id="3" name="Notes Placeholder 2"/>
+          <p:cNvSpPr>
+            <a:spLocks noGrp="1"/>
+          </p:cNvSpPr>
+          <p:nvPr>
+            <p:ph type="body" idx="1"/>
+          </p:nvPr>
+        </p:nvSpPr>
+        <p:spPr/>
+        <p:txBody>
+          <a:bodyPr/>
+          <a:lstStyle/>
+          <a:p>
+            <a:r>
+              <a:rPr lang="en-US" dirty="0"/>
+              <a:t>Attempting to add additional functionality via new arguments (not listed above)</a:t>
+            </a:r>
+          </a:p>
+          <a:p>
+            <a:endParaRPr lang="en-US" dirty="0"/>
+          </a:p>
+          <a:p>
+            <a:pPr marL="171450" indent="-171450">
+              <a:buFontTx/>
+              <a:buChar char="-"/>
+            </a:pPr>
+            <a:r>
+              <a:rPr lang="en-US" dirty="0" err="1"/>
+              <a:t>stripeSize</a:t>
+            </a:r>
+            <a:endParaRPr lang="en-US" dirty="0"/>
+          </a:p>
+          <a:p>
+            <a:pPr marL="171450" indent="-171450">
+              <a:buFontTx/>
+              <a:buChar char="-"/>
+            </a:pPr>
+            <a:r>
+              <a:rPr lang="en-US" dirty="0" err="1"/>
+              <a:t>stripeCount</a:t>
+            </a:r>
+            <a:endParaRPr lang="en-US" dirty="0"/>
+          </a:p>
+          <a:p>
+            <a:pPr marL="171450" indent="-171450">
+              <a:buFontTx/>
+              <a:buChar char="-"/>
+            </a:pPr>
+            <a:endParaRPr lang="en-US" dirty="0"/>
+          </a:p>
+        </p:txBody>
+      </p:sp>
+      <p:sp>
+        <p:nvSpPr>
+          <p:cNvPr id="4" name="Slide Number Placeholder 3"/>
+          <p:cNvSpPr>
+            <a:spLocks noGrp="1"/>
+          </p:cNvSpPr>
+          <p:nvPr>
+            <p:ph type="sldNum" sz="quarter" idx="5"/>
+          </p:nvPr>
+        </p:nvSpPr>
+        <p:spPr/>
+        <p:txBody>
+          <a:bodyPr/>
+          <a:lstStyle/>
+          <a:p>
+            <a:fld id="{A2C4B5F3-3861-49BD-B7B7-7737250AC8C3}" type="slidenum">
+              <a:rPr lang="en-US" smtClean="0"/>
+              <a:t>13</a:t>
+            </a:fld>
+            <a:endParaRPr lang="en-US"/>
+          </a:p>
+        </p:txBody>
+      </p:sp>
+    </p:spTree>
+    <p:extLst>
+      <p:ext uri="{BB962C8B-B14F-4D97-AF65-F5344CB8AC3E}">
+        <p14:creationId xmlns:p14="http://schemas.microsoft.com/office/powerpoint/2010/main" val="1019806719"/>
+      </p:ext>
+    </p:extLst>
+  </p:cSld>
+  <p:clrMapOvr>
+    <a:masterClrMapping/>
+  </p:clrMapOvr>
+</p:notes>
+</file>
+
+<file path=ppt/notesSlides/notesSlide3.xml><?xml version="1.0" encoding="utf-8"?>
+<p:notes xmlns:a="http://schemas.openxmlformats.org/drawingml/2006/main" xmlns:r="http://schemas.openxmlformats.org/officeDocument/2006/relationships" xmlns:p="http://schemas.openxmlformats.org/presentationml/2006/main">
+  <p:cSld>
+    <p:spTree>
+      <p:nvGrpSpPr>
+        <p:cNvPr id="1" name=""/>
+        <p:cNvGrpSpPr/>
+        <p:nvPr/>
+      </p:nvGrpSpPr>
+      <p:grpSpPr>
+        <a:xfrm>
+          <a:off x="0" y="0"/>
+          <a:ext cx="0" cy="0"/>
+          <a:chOff x="0" y="0"/>
+          <a:chExt cx="0" cy="0"/>
+        </a:xfrm>
+      </p:grpSpPr>
+      <p:sp>
+        <p:nvSpPr>
+          <p:cNvPr id="2" name="Slide Image Placeholder 1"/>
+          <p:cNvSpPr>
+            <a:spLocks noGrp="1" noRot="1" noChangeAspect="1"/>
+          </p:cNvSpPr>
+          <p:nvPr>
+            <p:ph type="sldImg"/>
+          </p:nvPr>
+        </p:nvSpPr>
+        <p:spPr/>
+      </p:sp>
+      <p:sp>
+        <p:nvSpPr>
+          <p:cNvPr id="3" name="Notes Placeholder 2"/>
+          <p:cNvSpPr>
+            <a:spLocks noGrp="1"/>
+          </p:cNvSpPr>
+          <p:nvPr>
+            <p:ph type="body" idx="1"/>
+          </p:nvPr>
+        </p:nvSpPr>
+        <p:spPr/>
+        <p:txBody>
+          <a:bodyPr/>
+          <a:lstStyle/>
+          <a:p>
+            <a:endParaRPr lang="en-US" dirty="0"/>
+          </a:p>
+        </p:txBody>
+      </p:sp>
+      <p:sp>
+        <p:nvSpPr>
+          <p:cNvPr id="4" name="Slide Number Placeholder 3"/>
+          <p:cNvSpPr>
+            <a:spLocks noGrp="1"/>
+          </p:cNvSpPr>
+          <p:nvPr>
+            <p:ph type="sldNum" sz="quarter" idx="5"/>
+          </p:nvPr>
+        </p:nvSpPr>
+        <p:spPr/>
+        <p:txBody>
+          <a:bodyPr/>
+          <a:lstStyle/>
+          <a:p>
+            <a:fld id="{A2C4B5F3-3861-49BD-B7B7-7737250AC8C3}" type="slidenum">
+              <a:rPr lang="en-US" smtClean="0"/>
+              <a:t>17</a:t>
+            </a:fld>
+            <a:endParaRPr lang="en-US"/>
+          </a:p>
+        </p:txBody>
+      </p:sp>
+    </p:spTree>
+    <p:extLst>
+      <p:ext uri="{BB962C8B-B14F-4D97-AF65-F5344CB8AC3E}">
+        <p14:creationId xmlns:p14="http://schemas.microsoft.com/office/powerpoint/2010/main" val="2470879414"/>
+      </p:ext>
+    </p:extLst>
+  </p:cSld>
+  <p:clrMapOvr>
+    <a:masterClrMapping/>
+  </p:clrMapOvr>
+</p:notes>
+</file>
+
+<file path=ppt/notesSlides/notesSlide4.xml><?xml version="1.0" encoding="utf-8"?>
+<p:notes xmlns:a="http://schemas.openxmlformats.org/drawingml/2006/main" xmlns:r="http://schemas.openxmlformats.org/officeDocument/2006/relationships" xmlns:p="http://schemas.openxmlformats.org/presentationml/2006/main">
+  <p:cSld>
+    <p:spTree>
+      <p:nvGrpSpPr>
+        <p:cNvPr id="1" name=""/>
+        <p:cNvGrpSpPr/>
+        <p:nvPr/>
+      </p:nvGrpSpPr>
+      <p:grpSpPr>
+        <a:xfrm>
+          <a:off x="0" y="0"/>
+          <a:ext cx="0" cy="0"/>
+          <a:chOff x="0" y="0"/>
+          <a:chExt cx="0" cy="0"/>
+        </a:xfrm>
+      </p:grpSpPr>
+      <p:sp>
+        <p:nvSpPr>
+          <p:cNvPr id="2" name="Slide Image Placeholder 1"/>
+          <p:cNvSpPr>
+            <a:spLocks noGrp="1" noRot="1" noChangeAspect="1"/>
+          </p:cNvSpPr>
+          <p:nvPr>
+            <p:ph type="sldImg"/>
+          </p:nvPr>
+        </p:nvSpPr>
+        <p:spPr/>
+      </p:sp>
+      <p:sp>
+        <p:nvSpPr>
+          <p:cNvPr id="3" name="Notes Placeholder 2"/>
+          <p:cNvSpPr>
+            <a:spLocks noGrp="1"/>
+          </p:cNvSpPr>
+          <p:nvPr>
+            <p:ph type="body" idx="1"/>
+          </p:nvPr>
+        </p:nvSpPr>
+        <p:spPr/>
+        <p:txBody>
+          <a:bodyPr/>
+          <a:lstStyle/>
+          <a:p>
+            <a:endParaRPr lang="en-US" dirty="0"/>
+          </a:p>
+        </p:txBody>
+      </p:sp>
+      <p:sp>
+        <p:nvSpPr>
+          <p:cNvPr id="4" name="Slide Number Placeholder 3"/>
+          <p:cNvSpPr>
+            <a:spLocks noGrp="1"/>
+          </p:cNvSpPr>
+          <p:nvPr>
+            <p:ph type="sldNum" sz="quarter" idx="5"/>
+          </p:nvPr>
+        </p:nvSpPr>
+        <p:spPr/>
+        <p:txBody>
+          <a:bodyPr/>
+          <a:lstStyle/>
+          <a:p>
+            <a:fld id="{A2C4B5F3-3861-49BD-B7B7-7737250AC8C3}" type="slidenum">
+              <a:rPr lang="en-US" smtClean="0"/>
+              <a:t>18</a:t>
+            </a:fld>
+            <a:endParaRPr lang="en-US"/>
+          </a:p>
+        </p:txBody>
+      </p:sp>
+    </p:spTree>
+    <p:extLst>
+      <p:ext uri="{BB962C8B-B14F-4D97-AF65-F5344CB8AC3E}">
+        <p14:creationId xmlns:p14="http://schemas.microsoft.com/office/powerpoint/2010/main" val="4144994195"/>
+      </p:ext>
+    </p:extLst>
+  </p:cSld>
+  <p:clrMapOvr>
+    <a:masterClrMapping/>
+  </p:clrMapOvr>
+</p:notes>
 </file>
 
 <file path=ppt/slideLayouts/slideLayout1.xml><?xml version="1.0" encoding="utf-8"?>
@@ -11992,7 +12723,7 @@
           <p:cNvPr id="2" name="Title 1">
             <a:extLst>
               <a:ext uri="{FF2B5EF4-FFF2-40B4-BE49-F238E27FC236}">
-                <a16:creationId xmlns:a16="http://schemas.microsoft.com/office/drawing/2014/main" id="{A2CF243F-3057-4D17-9D75-5640E9104E72}"/>
+                <a16:creationId xmlns:a16="http://schemas.microsoft.com/office/drawing/2014/main" id="{3B83615D-BFD2-4361-9EB1-E25B8DF3D9E0}"/>
               </a:ext>
             </a:extLst>
           </p:cNvPr>
@@ -12010,32 +12741,913 @@
           <a:p>
             <a:r>
               <a:rPr lang="en-US" dirty="0"/>
-              <a:t>Conclusion</a:t>
+              <a:t>Database</a:t>
             </a:r>
           </a:p>
         </p:txBody>
       </p:sp>
-      <p:sp>
-        <p:nvSpPr>
-          <p:cNvPr id="3" name="Content Placeholder 2">
+      <p:grpSp>
+        <p:nvGrpSpPr>
+          <p:cNvPr id="4" name="Group 3">
             <a:extLst>
               <a:ext uri="{FF2B5EF4-FFF2-40B4-BE49-F238E27FC236}">
-                <a16:creationId xmlns:a16="http://schemas.microsoft.com/office/drawing/2014/main" id="{B6C09BA8-F024-45C9-AB65-D6A2975B6BF4}"/>
+                <a16:creationId xmlns:a16="http://schemas.microsoft.com/office/drawing/2014/main" id="{F8C0E4FA-1961-44DF-B092-0EDF5A9B2E48}"/>
               </a:ext>
             </a:extLst>
           </p:cNvPr>
-          <p:cNvSpPr>
-            <a:spLocks noGrp="1"/>
-          </p:cNvSpPr>
-          <p:nvPr>
-            <p:ph idx="1"/>
-          </p:nvPr>
+          <p:cNvGrpSpPr/>
+          <p:nvPr/>
+        </p:nvGrpSpPr>
+        <p:grpSpPr>
+          <a:xfrm>
+            <a:off x="2831432" y="1628273"/>
+            <a:ext cx="7367837" cy="4404311"/>
+            <a:chOff x="0" y="0"/>
+            <a:chExt cx="7677150" cy="4267200"/>
+          </a:xfrm>
+        </p:grpSpPr>
+        <p:sp>
+          <p:nvSpPr>
+            <p:cNvPr id="5" name="Cloud 4">
+              <a:extLst>
+                <a:ext uri="{FF2B5EF4-FFF2-40B4-BE49-F238E27FC236}">
+                  <a16:creationId xmlns:a16="http://schemas.microsoft.com/office/drawing/2014/main" id="{83D6056D-2DEF-4504-A4B7-742EE04FD17B}"/>
+                </a:ext>
+              </a:extLst>
+            </p:cNvPr>
+            <p:cNvSpPr/>
+            <p:nvPr/>
+          </p:nvSpPr>
+          <p:spPr>
+            <a:xfrm>
+              <a:off x="1228725" y="723900"/>
+              <a:ext cx="1885950" cy="1200150"/>
+            </a:xfrm>
+            <a:prstGeom prst="cloud">
+              <a:avLst/>
+            </a:prstGeom>
+            <a:gradFill rotWithShape="1">
+              <a:gsLst>
+                <a:gs pos="0">
+                  <a:srgbClr val="FFC000">
+                    <a:lumMod val="110000"/>
+                    <a:satMod val="105000"/>
+                    <a:tint val="67000"/>
+                  </a:srgbClr>
+                </a:gs>
+                <a:gs pos="50000">
+                  <a:srgbClr val="FFC000">
+                    <a:lumMod val="105000"/>
+                    <a:satMod val="103000"/>
+                    <a:tint val="73000"/>
+                  </a:srgbClr>
+                </a:gs>
+                <a:gs pos="100000">
+                  <a:srgbClr val="FFC000">
+                    <a:lumMod val="105000"/>
+                    <a:satMod val="109000"/>
+                    <a:tint val="81000"/>
+                  </a:srgbClr>
+                </a:gs>
+              </a:gsLst>
+              <a:lin ang="5400000" scaled="0"/>
+            </a:gradFill>
+            <a:ln w="6350" cap="flat" cmpd="sng" algn="ctr">
+              <a:solidFill>
+                <a:srgbClr val="FFC000"/>
+              </a:solidFill>
+              <a:prstDash val="solid"/>
+              <a:miter lim="800000"/>
+            </a:ln>
+            <a:effectLst/>
+          </p:spPr>
+          <p:txBody>
+            <a:bodyPr rot="0" spcFirstLastPara="0" vert="horz" wrap="square" lIns="91440" tIns="45720" rIns="91440" bIns="45720" numCol="1" spcCol="0" rtlCol="0" fromWordArt="0" anchor="ctr" anchorCtr="0" forceAA="0" compatLnSpc="1">
+              <a:prstTxWarp prst="textNoShape">
+                <a:avLst/>
+              </a:prstTxWarp>
+              <a:noAutofit/>
+            </a:bodyPr>
+            <a:lstStyle/>
+            <a:p>
+              <a:pPr marL="0" marR="0" algn="ctr">
+                <a:lnSpc>
+                  <a:spcPct val="107000"/>
+                </a:lnSpc>
+                <a:spcBef>
+                  <a:spcPts val="0"/>
+                </a:spcBef>
+                <a:spcAft>
+                  <a:spcPts val="800"/>
+                </a:spcAft>
+              </a:pPr>
+              <a:r>
+                <a:rPr lang="en-US" sz="2000">
+                  <a:effectLst/>
+                  <a:latin typeface="Calibri" panose="020F0502020204030204" pitchFamily="34" charset="0"/>
+                  <a:ea typeface="Calibri" panose="020F0502020204030204" pitchFamily="34" charset="0"/>
+                  <a:cs typeface="Times New Roman" panose="02020603050405020304" pitchFamily="18" charset="0"/>
+                </a:rPr>
+                <a:t>LAN: HPC+PFS</a:t>
+              </a:r>
+              <a:endParaRPr lang="en-US" sz="1100">
+                <a:effectLst/>
+                <a:latin typeface="Calibri" panose="020F0502020204030204" pitchFamily="34" charset="0"/>
+                <a:ea typeface="Calibri" panose="020F0502020204030204" pitchFamily="34" charset="0"/>
+                <a:cs typeface="Times New Roman" panose="02020603050405020304" pitchFamily="18" charset="0"/>
+              </a:endParaRPr>
+            </a:p>
+          </p:txBody>
+        </p:sp>
+        <p:sp>
+          <p:nvSpPr>
+            <p:cNvPr id="6" name="Cloud 5">
+              <a:extLst>
+                <a:ext uri="{FF2B5EF4-FFF2-40B4-BE49-F238E27FC236}">
+                  <a16:creationId xmlns:a16="http://schemas.microsoft.com/office/drawing/2014/main" id="{E75ED004-5F5D-49EA-A25B-B0722E0A401A}"/>
+                </a:ext>
+              </a:extLst>
+            </p:cNvPr>
+            <p:cNvSpPr/>
+            <p:nvPr/>
+          </p:nvSpPr>
+          <p:spPr>
+            <a:xfrm>
+              <a:off x="4410075" y="1622035"/>
+              <a:ext cx="2352675" cy="2087850"/>
+            </a:xfrm>
+            <a:prstGeom prst="cloud">
+              <a:avLst/>
+            </a:prstGeom>
+            <a:gradFill flip="none" rotWithShape="1">
+              <a:gsLst>
+                <a:gs pos="0">
+                  <a:srgbClr val="5B9BD5">
+                    <a:lumMod val="5000"/>
+                    <a:lumOff val="95000"/>
+                  </a:srgbClr>
+                </a:gs>
+                <a:gs pos="74000">
+                  <a:srgbClr val="5B9BD5">
+                    <a:lumMod val="45000"/>
+                    <a:lumOff val="55000"/>
+                  </a:srgbClr>
+                </a:gs>
+                <a:gs pos="83000">
+                  <a:srgbClr val="5B9BD5">
+                    <a:lumMod val="45000"/>
+                    <a:lumOff val="55000"/>
+                  </a:srgbClr>
+                </a:gs>
+                <a:gs pos="100000">
+                  <a:srgbClr val="5B9BD5">
+                    <a:lumMod val="30000"/>
+                    <a:lumOff val="70000"/>
+                  </a:srgbClr>
+                </a:gs>
+              </a:gsLst>
+              <a:lin ang="5400000" scaled="1"/>
+              <a:tileRect/>
+            </a:gradFill>
+            <a:ln w="6350" cap="flat" cmpd="sng" algn="ctr">
+              <a:solidFill>
+                <a:srgbClr val="FFC000"/>
+              </a:solidFill>
+              <a:prstDash val="solid"/>
+              <a:miter lim="800000"/>
+            </a:ln>
+            <a:effectLst/>
+          </p:spPr>
+          <p:txBody>
+            <a:bodyPr rot="0" spcFirstLastPara="0" vert="horz" wrap="square" lIns="91440" tIns="45720" rIns="91440" bIns="45720" numCol="1" spcCol="0" rtlCol="0" fromWordArt="0" anchor="ctr" anchorCtr="0" forceAA="0" compatLnSpc="1">
+              <a:prstTxWarp prst="textNoShape">
+                <a:avLst/>
+              </a:prstTxWarp>
+              <a:noAutofit/>
+            </a:bodyPr>
+            <a:lstStyle/>
+            <a:p>
+              <a:pPr marL="0" marR="0" algn="ctr">
+                <a:lnSpc>
+                  <a:spcPct val="107000"/>
+                </a:lnSpc>
+                <a:spcBef>
+                  <a:spcPts val="0"/>
+                </a:spcBef>
+                <a:spcAft>
+                  <a:spcPts val="800"/>
+                </a:spcAft>
+              </a:pPr>
+              <a:r>
+                <a:rPr lang="en-US" sz="2000" dirty="0">
+                  <a:effectLst/>
+                  <a:latin typeface="Calibri" panose="020F0502020204030204" pitchFamily="34" charset="0"/>
+                  <a:ea typeface="Calibri" panose="020F0502020204030204" pitchFamily="34" charset="0"/>
+                  <a:cs typeface="Times New Roman" panose="02020603050405020304" pitchFamily="18" charset="0"/>
+                </a:rPr>
+                <a:t>WAN: Cloud Computing + Object Storage</a:t>
+              </a:r>
+              <a:endParaRPr lang="en-US" sz="1100" dirty="0">
+                <a:effectLst/>
+                <a:latin typeface="Calibri" panose="020F0502020204030204" pitchFamily="34" charset="0"/>
+                <a:ea typeface="Calibri" panose="020F0502020204030204" pitchFamily="34" charset="0"/>
+                <a:cs typeface="Times New Roman" panose="02020603050405020304" pitchFamily="18" charset="0"/>
+              </a:endParaRPr>
+            </a:p>
+          </p:txBody>
+        </p:sp>
+        <p:sp>
+          <p:nvSpPr>
+            <p:cNvPr id="7" name="Rounded Rectangle 483">
+              <a:extLst>
+                <a:ext uri="{FF2B5EF4-FFF2-40B4-BE49-F238E27FC236}">
+                  <a16:creationId xmlns:a16="http://schemas.microsoft.com/office/drawing/2014/main" id="{0A162B83-5102-4F75-9824-A6C222A0FA6C}"/>
+                </a:ext>
+              </a:extLst>
+            </p:cNvPr>
+            <p:cNvSpPr/>
+            <p:nvPr/>
+          </p:nvSpPr>
+          <p:spPr>
+            <a:xfrm>
+              <a:off x="19050" y="0"/>
+              <a:ext cx="914400" cy="914400"/>
+            </a:xfrm>
+            <a:prstGeom prst="roundRect">
+              <a:avLst/>
+            </a:prstGeom>
+            <a:gradFill rotWithShape="1">
+              <a:gsLst>
+                <a:gs pos="0">
+                  <a:srgbClr val="A5A5A5">
+                    <a:lumMod val="110000"/>
+                    <a:satMod val="105000"/>
+                    <a:tint val="67000"/>
+                  </a:srgbClr>
+                </a:gs>
+                <a:gs pos="50000">
+                  <a:srgbClr val="A5A5A5">
+                    <a:lumMod val="105000"/>
+                    <a:satMod val="103000"/>
+                    <a:tint val="73000"/>
+                  </a:srgbClr>
+                </a:gs>
+                <a:gs pos="100000">
+                  <a:srgbClr val="A5A5A5">
+                    <a:lumMod val="105000"/>
+                    <a:satMod val="109000"/>
+                    <a:tint val="81000"/>
+                  </a:srgbClr>
+                </a:gs>
+              </a:gsLst>
+              <a:lin ang="5400000" scaled="0"/>
+            </a:gradFill>
+            <a:ln w="6350" cap="flat" cmpd="sng" algn="ctr">
+              <a:solidFill>
+                <a:srgbClr val="A5A5A5"/>
+              </a:solidFill>
+              <a:prstDash val="solid"/>
+              <a:miter lim="800000"/>
+            </a:ln>
+            <a:effectLst/>
+          </p:spPr>
+          <p:txBody>
+            <a:bodyPr rot="0" spcFirstLastPara="0" vert="horz" wrap="square" lIns="91440" tIns="45720" rIns="91440" bIns="45720" numCol="1" spcCol="0" rtlCol="0" fromWordArt="0" anchor="ctr" anchorCtr="0" forceAA="0" compatLnSpc="1">
+              <a:prstTxWarp prst="textNoShape">
+                <a:avLst/>
+              </a:prstTxWarp>
+              <a:noAutofit/>
+            </a:bodyPr>
+            <a:lstStyle/>
+            <a:p>
+              <a:pPr marL="0" marR="0" algn="ctr">
+                <a:lnSpc>
+                  <a:spcPct val="107000"/>
+                </a:lnSpc>
+                <a:spcBef>
+                  <a:spcPts val="0"/>
+                </a:spcBef>
+                <a:spcAft>
+                  <a:spcPts val="800"/>
+                </a:spcAft>
+              </a:pPr>
+              <a:r>
+                <a:rPr lang="en-US" sz="1100">
+                  <a:effectLst/>
+                  <a:latin typeface="Calibri" panose="020F0502020204030204" pitchFamily="34" charset="0"/>
+                  <a:ea typeface="Calibri" panose="020F0502020204030204" pitchFamily="34" charset="0"/>
+                  <a:cs typeface="Times New Roman" panose="02020603050405020304" pitchFamily="18" charset="0"/>
+                </a:rPr>
+                <a:t>HPC Scientific workflows</a:t>
+              </a:r>
+            </a:p>
+          </p:txBody>
+        </p:sp>
+        <p:sp>
+          <p:nvSpPr>
+            <p:cNvPr id="8" name="Rounded Rectangle 484">
+              <a:extLst>
+                <a:ext uri="{FF2B5EF4-FFF2-40B4-BE49-F238E27FC236}">
+                  <a16:creationId xmlns:a16="http://schemas.microsoft.com/office/drawing/2014/main" id="{4A50BCBC-B3E5-4623-B186-B71F4FDD785A}"/>
+                </a:ext>
+              </a:extLst>
+            </p:cNvPr>
+            <p:cNvSpPr/>
+            <p:nvPr/>
+          </p:nvSpPr>
+          <p:spPr>
+            <a:xfrm>
+              <a:off x="0" y="1438275"/>
+              <a:ext cx="914400" cy="914400"/>
+            </a:xfrm>
+            <a:prstGeom prst="roundRect">
+              <a:avLst/>
+            </a:prstGeom>
+            <a:gradFill rotWithShape="1">
+              <a:gsLst>
+                <a:gs pos="0">
+                  <a:srgbClr val="A5A5A5">
+                    <a:lumMod val="110000"/>
+                    <a:satMod val="105000"/>
+                    <a:tint val="67000"/>
+                  </a:srgbClr>
+                </a:gs>
+                <a:gs pos="50000">
+                  <a:srgbClr val="A5A5A5">
+                    <a:lumMod val="105000"/>
+                    <a:satMod val="103000"/>
+                    <a:tint val="73000"/>
+                  </a:srgbClr>
+                </a:gs>
+                <a:gs pos="100000">
+                  <a:srgbClr val="A5A5A5">
+                    <a:lumMod val="105000"/>
+                    <a:satMod val="109000"/>
+                    <a:tint val="81000"/>
+                  </a:srgbClr>
+                </a:gs>
+              </a:gsLst>
+              <a:lin ang="5400000" scaled="0"/>
+            </a:gradFill>
+            <a:ln w="6350" cap="flat" cmpd="sng" algn="ctr">
+              <a:solidFill>
+                <a:srgbClr val="A5A5A5"/>
+              </a:solidFill>
+              <a:prstDash val="solid"/>
+              <a:miter lim="800000"/>
+            </a:ln>
+            <a:effectLst/>
+          </p:spPr>
+          <p:txBody>
+            <a:bodyPr rot="0" spcFirstLastPara="0" vert="horz" wrap="square" lIns="91440" tIns="45720" rIns="91440" bIns="45720" numCol="1" spcCol="0" rtlCol="0" fromWordArt="0" anchor="ctr" anchorCtr="0" forceAA="0" compatLnSpc="1">
+              <a:prstTxWarp prst="textNoShape">
+                <a:avLst/>
+              </a:prstTxWarp>
+              <a:noAutofit/>
+            </a:bodyPr>
+            <a:lstStyle/>
+            <a:p>
+              <a:pPr marL="0" marR="0" algn="ctr">
+                <a:lnSpc>
+                  <a:spcPct val="107000"/>
+                </a:lnSpc>
+                <a:spcBef>
+                  <a:spcPts val="0"/>
+                </a:spcBef>
+                <a:spcAft>
+                  <a:spcPts val="800"/>
+                </a:spcAft>
+              </a:pPr>
+              <a:r>
+                <a:rPr lang="en-US" sz="1100">
+                  <a:effectLst/>
+                  <a:latin typeface="Calibri" panose="020F0502020204030204" pitchFamily="34" charset="0"/>
+                  <a:ea typeface="Calibri" panose="020F0502020204030204" pitchFamily="34" charset="0"/>
+                  <a:cs typeface="Times New Roman" panose="02020603050405020304" pitchFamily="18" charset="0"/>
+                </a:rPr>
+                <a:t>HPC Scientific workflows</a:t>
+              </a:r>
+            </a:p>
+          </p:txBody>
+        </p:sp>
+        <p:sp>
+          <p:nvSpPr>
+            <p:cNvPr id="9" name="Rounded Rectangle 485">
+              <a:extLst>
+                <a:ext uri="{FF2B5EF4-FFF2-40B4-BE49-F238E27FC236}">
+                  <a16:creationId xmlns:a16="http://schemas.microsoft.com/office/drawing/2014/main" id="{0A88E1EA-A30B-4F28-AA6C-C2D8F088420C}"/>
+                </a:ext>
+              </a:extLst>
+            </p:cNvPr>
+            <p:cNvSpPr/>
+            <p:nvPr/>
+          </p:nvSpPr>
+          <p:spPr>
+            <a:xfrm>
+              <a:off x="6762750" y="3352800"/>
+              <a:ext cx="914400" cy="914400"/>
+            </a:xfrm>
+            <a:prstGeom prst="roundRect">
+              <a:avLst/>
+            </a:prstGeom>
+            <a:gradFill flip="none" rotWithShape="1">
+              <a:gsLst>
+                <a:gs pos="0">
+                  <a:srgbClr val="ED7D31">
+                    <a:lumMod val="5000"/>
+                    <a:lumOff val="95000"/>
+                  </a:srgbClr>
+                </a:gs>
+                <a:gs pos="74000">
+                  <a:srgbClr val="ED7D31">
+                    <a:lumMod val="45000"/>
+                    <a:lumOff val="55000"/>
+                  </a:srgbClr>
+                </a:gs>
+                <a:gs pos="83000">
+                  <a:srgbClr val="ED7D31">
+                    <a:lumMod val="45000"/>
+                    <a:lumOff val="55000"/>
+                  </a:srgbClr>
+                </a:gs>
+                <a:gs pos="100000">
+                  <a:srgbClr val="ED7D31">
+                    <a:lumMod val="30000"/>
+                    <a:lumOff val="70000"/>
+                  </a:srgbClr>
+                </a:gs>
+              </a:gsLst>
+              <a:lin ang="5400000" scaled="1"/>
+              <a:tileRect/>
+            </a:gradFill>
+            <a:ln w="6350" cap="flat" cmpd="sng" algn="ctr">
+              <a:solidFill>
+                <a:srgbClr val="A5A5A5"/>
+              </a:solidFill>
+              <a:prstDash val="solid"/>
+              <a:miter lim="800000"/>
+            </a:ln>
+            <a:effectLst/>
+          </p:spPr>
+          <p:txBody>
+            <a:bodyPr rot="0" spcFirstLastPara="0" vert="horz" wrap="square" lIns="91440" tIns="45720" rIns="91440" bIns="45720" numCol="1" spcCol="0" rtlCol="0" fromWordArt="0" anchor="ctr" anchorCtr="0" forceAA="0" compatLnSpc="1">
+              <a:prstTxWarp prst="textNoShape">
+                <a:avLst/>
+              </a:prstTxWarp>
+              <a:noAutofit/>
+            </a:bodyPr>
+            <a:lstStyle/>
+            <a:p>
+              <a:pPr marL="0" marR="0" algn="ctr">
+                <a:lnSpc>
+                  <a:spcPct val="107000"/>
+                </a:lnSpc>
+                <a:spcBef>
+                  <a:spcPts val="0"/>
+                </a:spcBef>
+                <a:spcAft>
+                  <a:spcPts val="800"/>
+                </a:spcAft>
+              </a:pPr>
+              <a:r>
+                <a:rPr lang="en-US" sz="1100">
+                  <a:effectLst/>
+                  <a:latin typeface="Calibri" panose="020F0502020204030204" pitchFamily="34" charset="0"/>
+                  <a:ea typeface="Calibri" panose="020F0502020204030204" pitchFamily="34" charset="0"/>
+                  <a:cs typeface="Times New Roman" panose="02020603050405020304" pitchFamily="18" charset="0"/>
+                </a:rPr>
+                <a:t>Big Data Scientific workflows</a:t>
+              </a:r>
+            </a:p>
+          </p:txBody>
+        </p:sp>
+        <p:sp>
+          <p:nvSpPr>
+            <p:cNvPr id="10" name="Rounded Rectangle 486">
+              <a:extLst>
+                <a:ext uri="{FF2B5EF4-FFF2-40B4-BE49-F238E27FC236}">
+                  <a16:creationId xmlns:a16="http://schemas.microsoft.com/office/drawing/2014/main" id="{8173EC32-3418-4CDD-A449-C20E3C41E6D2}"/>
+                </a:ext>
+              </a:extLst>
+            </p:cNvPr>
+            <p:cNvSpPr/>
+            <p:nvPr/>
+          </p:nvSpPr>
+          <p:spPr>
+            <a:xfrm>
+              <a:off x="6619875" y="571849"/>
+              <a:ext cx="914400" cy="914400"/>
+            </a:xfrm>
+            <a:prstGeom prst="roundRect">
+              <a:avLst/>
+            </a:prstGeom>
+            <a:gradFill flip="none" rotWithShape="1">
+              <a:gsLst>
+                <a:gs pos="0">
+                  <a:srgbClr val="ED7D31">
+                    <a:lumMod val="5000"/>
+                    <a:lumOff val="95000"/>
+                  </a:srgbClr>
+                </a:gs>
+                <a:gs pos="74000">
+                  <a:srgbClr val="ED7D31">
+                    <a:lumMod val="45000"/>
+                    <a:lumOff val="55000"/>
+                  </a:srgbClr>
+                </a:gs>
+                <a:gs pos="83000">
+                  <a:srgbClr val="ED7D31">
+                    <a:lumMod val="45000"/>
+                    <a:lumOff val="55000"/>
+                  </a:srgbClr>
+                </a:gs>
+                <a:gs pos="100000">
+                  <a:srgbClr val="ED7D31">
+                    <a:lumMod val="30000"/>
+                    <a:lumOff val="70000"/>
+                  </a:srgbClr>
+                </a:gs>
+              </a:gsLst>
+              <a:lin ang="5400000" scaled="1"/>
+              <a:tileRect/>
+            </a:gradFill>
+            <a:ln w="6350" cap="flat" cmpd="sng" algn="ctr">
+              <a:solidFill>
+                <a:srgbClr val="A5A5A5"/>
+              </a:solidFill>
+              <a:prstDash val="solid"/>
+              <a:miter lim="800000"/>
+            </a:ln>
+            <a:effectLst/>
+          </p:spPr>
+          <p:txBody>
+            <a:bodyPr rot="0" spcFirstLastPara="0" vert="horz" wrap="square" lIns="91440" tIns="45720" rIns="91440" bIns="45720" numCol="1" spcCol="0" rtlCol="0" fromWordArt="0" anchor="ctr" anchorCtr="0" forceAA="0" compatLnSpc="1">
+              <a:prstTxWarp prst="textNoShape">
+                <a:avLst/>
+              </a:prstTxWarp>
+              <a:noAutofit/>
+            </a:bodyPr>
+            <a:lstStyle/>
+            <a:p>
+              <a:pPr marL="0" marR="0" algn="ctr">
+                <a:lnSpc>
+                  <a:spcPct val="107000"/>
+                </a:lnSpc>
+                <a:spcBef>
+                  <a:spcPts val="0"/>
+                </a:spcBef>
+                <a:spcAft>
+                  <a:spcPts val="800"/>
+                </a:spcAft>
+              </a:pPr>
+              <a:r>
+                <a:rPr lang="en-US" sz="1100">
+                  <a:effectLst/>
+                  <a:latin typeface="Calibri" panose="020F0502020204030204" pitchFamily="34" charset="0"/>
+                  <a:ea typeface="Calibri" panose="020F0502020204030204" pitchFamily="34" charset="0"/>
+                  <a:cs typeface="Times New Roman" panose="02020603050405020304" pitchFamily="18" charset="0"/>
+                </a:rPr>
+                <a:t>Cloud Scientific workflows</a:t>
+              </a:r>
+            </a:p>
+          </p:txBody>
+        </p:sp>
+        <p:sp>
+          <p:nvSpPr>
+            <p:cNvPr id="11" name="Left-Right Arrow 487">
+              <a:extLst>
+                <a:ext uri="{FF2B5EF4-FFF2-40B4-BE49-F238E27FC236}">
+                  <a16:creationId xmlns:a16="http://schemas.microsoft.com/office/drawing/2014/main" id="{193A6903-B033-4A75-A12D-642A9CFB2185}"/>
+                </a:ext>
+              </a:extLst>
+            </p:cNvPr>
+            <p:cNvSpPr/>
+            <p:nvPr/>
+          </p:nvSpPr>
+          <p:spPr>
+            <a:xfrm rot="1606550">
+              <a:off x="2639948" y="1668169"/>
+              <a:ext cx="819150" cy="257508"/>
+            </a:xfrm>
+            <a:prstGeom prst="leftRightArrow">
+              <a:avLst/>
+            </a:prstGeom>
+            <a:solidFill>
+              <a:srgbClr val="C00000"/>
+            </a:solidFill>
+            <a:ln w="12700" cap="flat" cmpd="sng" algn="ctr">
+              <a:solidFill>
+                <a:srgbClr val="5B9BD5">
+                  <a:shade val="50000"/>
+                </a:srgbClr>
+              </a:solidFill>
+              <a:prstDash val="solid"/>
+              <a:miter lim="800000"/>
+            </a:ln>
+            <a:effectLst/>
+          </p:spPr>
+          <p:txBody>
+            <a:bodyPr rot="0" spcFirstLastPara="0" vert="horz" wrap="square" lIns="91440" tIns="45720" rIns="91440" bIns="45720" numCol="1" spcCol="0" rtlCol="0" fromWordArt="0" anchor="ctr" anchorCtr="0" forceAA="0" compatLnSpc="1">
+              <a:prstTxWarp prst="textNoShape">
+                <a:avLst/>
+              </a:prstTxWarp>
+              <a:noAutofit/>
+            </a:bodyPr>
+            <a:lstStyle/>
+            <a:p>
+              <a:endParaRPr lang="en-US"/>
+            </a:p>
+          </p:txBody>
+        </p:sp>
+        <p:sp>
+          <p:nvSpPr>
+            <p:cNvPr id="12" name="Left-Right Arrow 488">
+              <a:extLst>
+                <a:ext uri="{FF2B5EF4-FFF2-40B4-BE49-F238E27FC236}">
+                  <a16:creationId xmlns:a16="http://schemas.microsoft.com/office/drawing/2014/main" id="{66B8395D-271A-43F2-A48B-5A60970C139F}"/>
+                </a:ext>
+              </a:extLst>
+            </p:cNvPr>
+            <p:cNvSpPr/>
+            <p:nvPr/>
+          </p:nvSpPr>
+          <p:spPr>
+            <a:xfrm rot="2560178">
+              <a:off x="821004" y="618154"/>
+              <a:ext cx="826763" cy="316218"/>
+            </a:xfrm>
+            <a:prstGeom prst="leftRightArrow">
+              <a:avLst/>
+            </a:prstGeom>
+            <a:solidFill>
+              <a:srgbClr val="C00000"/>
+            </a:solidFill>
+            <a:ln w="12700" cap="flat" cmpd="sng" algn="ctr">
+              <a:solidFill>
+                <a:srgbClr val="5B9BD5">
+                  <a:shade val="50000"/>
+                </a:srgbClr>
+              </a:solidFill>
+              <a:prstDash val="solid"/>
+              <a:miter lim="800000"/>
+            </a:ln>
+            <a:effectLst/>
+          </p:spPr>
+          <p:txBody>
+            <a:bodyPr rot="0" spcFirstLastPara="0" vert="horz" wrap="square" lIns="91440" tIns="45720" rIns="91440" bIns="45720" numCol="1" spcCol="0" rtlCol="0" fromWordArt="0" anchor="ctr" anchorCtr="0" forceAA="0" compatLnSpc="1">
+              <a:prstTxWarp prst="textNoShape">
+                <a:avLst/>
+              </a:prstTxWarp>
+              <a:noAutofit/>
+            </a:bodyPr>
+            <a:lstStyle/>
+            <a:p>
+              <a:endParaRPr lang="en-US"/>
+            </a:p>
+          </p:txBody>
+        </p:sp>
+        <p:sp>
+          <p:nvSpPr>
+            <p:cNvPr id="13" name="Left-Right Arrow 489">
+              <a:extLst>
+                <a:ext uri="{FF2B5EF4-FFF2-40B4-BE49-F238E27FC236}">
+                  <a16:creationId xmlns:a16="http://schemas.microsoft.com/office/drawing/2014/main" id="{D9CF7DCF-9E53-4C3F-A0A6-4F0EF9BC0501}"/>
+                </a:ext>
+              </a:extLst>
+            </p:cNvPr>
+            <p:cNvSpPr/>
+            <p:nvPr/>
+          </p:nvSpPr>
+          <p:spPr>
+            <a:xfrm rot="20180921">
+              <a:off x="866775" y="1666875"/>
+              <a:ext cx="819150" cy="257508"/>
+            </a:xfrm>
+            <a:prstGeom prst="leftRightArrow">
+              <a:avLst/>
+            </a:prstGeom>
+            <a:solidFill>
+              <a:srgbClr val="C00000"/>
+            </a:solidFill>
+            <a:ln w="12700" cap="flat" cmpd="sng" algn="ctr">
+              <a:solidFill>
+                <a:srgbClr val="5B9BD5">
+                  <a:shade val="50000"/>
+                </a:srgbClr>
+              </a:solidFill>
+              <a:prstDash val="solid"/>
+              <a:miter lim="800000"/>
+            </a:ln>
+            <a:effectLst/>
+          </p:spPr>
+          <p:txBody>
+            <a:bodyPr rot="0" spcFirstLastPara="0" vert="horz" wrap="square" lIns="91440" tIns="45720" rIns="91440" bIns="45720" numCol="1" spcCol="0" rtlCol="0" fromWordArt="0" anchor="ctr" anchorCtr="0" forceAA="0" compatLnSpc="1">
+              <a:prstTxWarp prst="textNoShape">
+                <a:avLst/>
+              </a:prstTxWarp>
+              <a:noAutofit/>
+            </a:bodyPr>
+            <a:lstStyle/>
+            <a:p>
+              <a:endParaRPr lang="en-US"/>
+            </a:p>
+          </p:txBody>
+        </p:sp>
+        <p:sp>
+          <p:nvSpPr>
+            <p:cNvPr id="14" name="Left-Right Arrow 490">
+              <a:extLst>
+                <a:ext uri="{FF2B5EF4-FFF2-40B4-BE49-F238E27FC236}">
+                  <a16:creationId xmlns:a16="http://schemas.microsoft.com/office/drawing/2014/main" id="{BBBB8341-4B85-406F-9CB8-2BD779BC60A8}"/>
+                </a:ext>
+              </a:extLst>
+            </p:cNvPr>
+            <p:cNvSpPr/>
+            <p:nvPr/>
+          </p:nvSpPr>
+          <p:spPr>
+            <a:xfrm rot="2896190">
+              <a:off x="6153177" y="3149094"/>
+              <a:ext cx="819150" cy="257175"/>
+            </a:xfrm>
+            <a:prstGeom prst="leftRightArrow">
+              <a:avLst/>
+            </a:prstGeom>
+            <a:solidFill>
+              <a:srgbClr val="C00000"/>
+            </a:solidFill>
+            <a:ln w="12700" cap="flat" cmpd="sng" algn="ctr">
+              <a:solidFill>
+                <a:srgbClr val="5B9BD5">
+                  <a:shade val="50000"/>
+                </a:srgbClr>
+              </a:solidFill>
+              <a:prstDash val="solid"/>
+              <a:miter lim="800000"/>
+            </a:ln>
+            <a:effectLst/>
+          </p:spPr>
+          <p:txBody>
+            <a:bodyPr rot="0" spcFirstLastPara="0" vert="horz" wrap="square" lIns="91440" tIns="45720" rIns="91440" bIns="45720" numCol="1" spcCol="0" rtlCol="0" fromWordArt="0" anchor="ctr" anchorCtr="0" forceAA="0" compatLnSpc="1">
+              <a:prstTxWarp prst="textNoShape">
+                <a:avLst/>
+              </a:prstTxWarp>
+              <a:noAutofit/>
+            </a:bodyPr>
+            <a:lstStyle/>
+            <a:p>
+              <a:endParaRPr lang="en-US"/>
+            </a:p>
+          </p:txBody>
+        </p:sp>
+        <p:sp>
+          <p:nvSpPr>
+            <p:cNvPr id="15" name="Left-Right Arrow 491">
+              <a:extLst>
+                <a:ext uri="{FF2B5EF4-FFF2-40B4-BE49-F238E27FC236}">
+                  <a16:creationId xmlns:a16="http://schemas.microsoft.com/office/drawing/2014/main" id="{B794D564-D002-4A47-847A-9B6CBC397386}"/>
+                </a:ext>
+              </a:extLst>
+            </p:cNvPr>
+            <p:cNvSpPr/>
+            <p:nvPr/>
+          </p:nvSpPr>
+          <p:spPr>
+            <a:xfrm rot="1606550">
+              <a:off x="3861956" y="2224029"/>
+              <a:ext cx="774644" cy="257508"/>
+            </a:xfrm>
+            <a:prstGeom prst="leftRightArrow">
+              <a:avLst/>
+            </a:prstGeom>
+            <a:solidFill>
+              <a:srgbClr val="C00000"/>
+            </a:solidFill>
+            <a:ln w="12700" cap="flat" cmpd="sng" algn="ctr">
+              <a:solidFill>
+                <a:srgbClr val="5B9BD5">
+                  <a:shade val="50000"/>
+                </a:srgbClr>
+              </a:solidFill>
+              <a:prstDash val="solid"/>
+              <a:miter lim="800000"/>
+            </a:ln>
+            <a:effectLst/>
+          </p:spPr>
+          <p:txBody>
+            <a:bodyPr rot="0" spcFirstLastPara="0" vert="horz" wrap="square" lIns="91440" tIns="45720" rIns="91440" bIns="45720" numCol="1" spcCol="0" rtlCol="0" fromWordArt="0" anchor="ctr" anchorCtr="0" forceAA="0" compatLnSpc="1">
+              <a:prstTxWarp prst="textNoShape">
+                <a:avLst/>
+              </a:prstTxWarp>
+              <a:noAutofit/>
+            </a:bodyPr>
+            <a:lstStyle/>
+            <a:p>
+              <a:endParaRPr lang="en-US"/>
+            </a:p>
+          </p:txBody>
+        </p:sp>
+        <p:sp>
+          <p:nvSpPr>
+            <p:cNvPr id="16" name="Left-Right Arrow 492">
+              <a:extLst>
+                <a:ext uri="{FF2B5EF4-FFF2-40B4-BE49-F238E27FC236}">
+                  <a16:creationId xmlns:a16="http://schemas.microsoft.com/office/drawing/2014/main" id="{AC436AF5-0436-4986-B2B1-9491055C396E}"/>
+                </a:ext>
+              </a:extLst>
+            </p:cNvPr>
+            <p:cNvSpPr/>
+            <p:nvPr/>
+          </p:nvSpPr>
+          <p:spPr>
+            <a:xfrm rot="18572586">
+              <a:off x="6342962" y="1606067"/>
+              <a:ext cx="819150" cy="257175"/>
+            </a:xfrm>
+            <a:prstGeom prst="leftRightArrow">
+              <a:avLst/>
+            </a:prstGeom>
+            <a:solidFill>
+              <a:srgbClr val="C00000"/>
+            </a:solidFill>
+            <a:ln w="12700" cap="flat" cmpd="sng" algn="ctr">
+              <a:solidFill>
+                <a:srgbClr val="5B9BD5">
+                  <a:shade val="50000"/>
+                </a:srgbClr>
+              </a:solidFill>
+              <a:prstDash val="solid"/>
+              <a:miter lim="800000"/>
+            </a:ln>
+            <a:effectLst/>
+          </p:spPr>
+          <p:txBody>
+            <a:bodyPr rot="0" spcFirstLastPara="0" vert="horz" wrap="square" lIns="91440" tIns="45720" rIns="91440" bIns="45720" numCol="1" spcCol="0" rtlCol="0" fromWordArt="0" anchor="ctr" anchorCtr="0" forceAA="0" compatLnSpc="1">
+              <a:prstTxWarp prst="textNoShape">
+                <a:avLst/>
+              </a:prstTxWarp>
+              <a:noAutofit/>
+            </a:bodyPr>
+            <a:lstStyle/>
+            <a:p>
+              <a:endParaRPr lang="en-US"/>
+            </a:p>
+          </p:txBody>
+        </p:sp>
+      </p:grpSp>
+      <p:sp>
+        <p:nvSpPr>
+          <p:cNvPr id="17" name="Rectangle 16">
+            <a:extLst>
+              <a:ext uri="{FF2B5EF4-FFF2-40B4-BE49-F238E27FC236}">
+                <a16:creationId xmlns:a16="http://schemas.microsoft.com/office/drawing/2014/main" id="{EDC17349-7625-4799-8C22-CC3473B5A230}"/>
+              </a:ext>
+            </a:extLst>
+          </p:cNvPr>
+          <p:cNvSpPr/>
+          <p:nvPr/>
         </p:nvSpPr>
-        <p:spPr/>
+        <p:spPr>
+          <a:xfrm>
+            <a:off x="5610702" y="3195330"/>
+            <a:ext cx="1511924" cy="983243"/>
+          </a:xfrm>
+          <a:prstGeom prst="rect">
+            <a:avLst/>
+          </a:prstGeom>
+        </p:spPr>
+        <p:style>
+          <a:lnRef idx="2">
+            <a:schemeClr val="accent1">
+              <a:shade val="50000"/>
+            </a:schemeClr>
+          </a:lnRef>
+          <a:fillRef idx="1">
+            <a:schemeClr val="accent1"/>
+          </a:fillRef>
+          <a:effectRef idx="0">
+            <a:schemeClr val="accent1"/>
+          </a:effectRef>
+          <a:fontRef idx="minor">
+            <a:schemeClr val="lt1"/>
+          </a:fontRef>
+        </p:style>
         <p:txBody>
-          <a:bodyPr/>
+          <a:bodyPr rtlCol="0" anchor="ctr"/>
           <a:lstStyle/>
           <a:p>
+            <a:pPr algn="ctr"/>
+            <a:r>
+              <a:rPr lang="en-US" dirty="0"/>
+              <a:t>Unison</a:t>
+            </a:r>
+            <a:br>
+              <a:rPr lang="en-US" dirty="0"/>
+            </a:br>
+            <a:r>
+              <a:rPr lang="en-US" dirty="0" err="1"/>
+              <a:t>Protoype</a:t>
+            </a:r>
             <a:endParaRPr lang="en-US" dirty="0"/>
           </a:p>
         </p:txBody>
@@ -12043,7 +13655,7 @@
     </p:spTree>
     <p:extLst>
       <p:ext uri="{BB962C8B-B14F-4D97-AF65-F5344CB8AC3E}">
-        <p14:creationId xmlns:p14="http://schemas.microsoft.com/office/powerpoint/2010/main" val="2748403194"/>
+        <p14:creationId xmlns:p14="http://schemas.microsoft.com/office/powerpoint/2010/main" val="2923374894"/>
       </p:ext>
     </p:extLst>
   </p:cSld>
@@ -12075,7 +13687,7 @@
           <p:cNvPr id="2" name="Title 1">
             <a:extLst>
               <a:ext uri="{FF2B5EF4-FFF2-40B4-BE49-F238E27FC236}">
-                <a16:creationId xmlns:a16="http://schemas.microsoft.com/office/drawing/2014/main" id="{BA245C13-ABC5-455C-AE90-9B3E9E6ED9C3}"/>
+                <a16:creationId xmlns:a16="http://schemas.microsoft.com/office/drawing/2014/main" id="{3B83615D-BFD2-4361-9EB1-E25B8DF3D9E0}"/>
               </a:ext>
             </a:extLst>
           </p:cNvPr>
@@ -12093,7 +13705,970 @@
           <a:p>
             <a:r>
               <a:rPr lang="en-US" dirty="0"/>
-              <a:t>Thank You!</a:t>
+              <a:t>Database</a:t>
+            </a:r>
+          </a:p>
+        </p:txBody>
+      </p:sp>
+      <p:grpSp>
+        <p:nvGrpSpPr>
+          <p:cNvPr id="4" name="Group 3">
+            <a:extLst>
+              <a:ext uri="{FF2B5EF4-FFF2-40B4-BE49-F238E27FC236}">
+                <a16:creationId xmlns:a16="http://schemas.microsoft.com/office/drawing/2014/main" id="{F8C0E4FA-1961-44DF-B092-0EDF5A9B2E48}"/>
+              </a:ext>
+            </a:extLst>
+          </p:cNvPr>
+          <p:cNvGrpSpPr/>
+          <p:nvPr/>
+        </p:nvGrpSpPr>
+        <p:grpSpPr>
+          <a:xfrm>
+            <a:off x="2831432" y="1628273"/>
+            <a:ext cx="7367837" cy="4404311"/>
+            <a:chOff x="0" y="0"/>
+            <a:chExt cx="7677150" cy="4267200"/>
+          </a:xfrm>
+        </p:grpSpPr>
+        <p:sp>
+          <p:nvSpPr>
+            <p:cNvPr id="5" name="Cloud 4">
+              <a:extLst>
+                <a:ext uri="{FF2B5EF4-FFF2-40B4-BE49-F238E27FC236}">
+                  <a16:creationId xmlns:a16="http://schemas.microsoft.com/office/drawing/2014/main" id="{83D6056D-2DEF-4504-A4B7-742EE04FD17B}"/>
+                </a:ext>
+              </a:extLst>
+            </p:cNvPr>
+            <p:cNvSpPr/>
+            <p:nvPr/>
+          </p:nvSpPr>
+          <p:spPr>
+            <a:xfrm>
+              <a:off x="1228725" y="723900"/>
+              <a:ext cx="1885950" cy="1200150"/>
+            </a:xfrm>
+            <a:prstGeom prst="cloud">
+              <a:avLst/>
+            </a:prstGeom>
+            <a:gradFill rotWithShape="1">
+              <a:gsLst>
+                <a:gs pos="0">
+                  <a:srgbClr val="FFC000">
+                    <a:lumMod val="110000"/>
+                    <a:satMod val="105000"/>
+                    <a:tint val="67000"/>
+                  </a:srgbClr>
+                </a:gs>
+                <a:gs pos="50000">
+                  <a:srgbClr val="FFC000">
+                    <a:lumMod val="105000"/>
+                    <a:satMod val="103000"/>
+                    <a:tint val="73000"/>
+                  </a:srgbClr>
+                </a:gs>
+                <a:gs pos="100000">
+                  <a:srgbClr val="FFC000">
+                    <a:lumMod val="105000"/>
+                    <a:satMod val="109000"/>
+                    <a:tint val="81000"/>
+                  </a:srgbClr>
+                </a:gs>
+              </a:gsLst>
+              <a:lin ang="5400000" scaled="0"/>
+            </a:gradFill>
+            <a:ln w="6350" cap="flat" cmpd="sng" algn="ctr">
+              <a:solidFill>
+                <a:srgbClr val="FFC000"/>
+              </a:solidFill>
+              <a:prstDash val="solid"/>
+              <a:miter lim="800000"/>
+            </a:ln>
+            <a:effectLst/>
+          </p:spPr>
+          <p:txBody>
+            <a:bodyPr rot="0" spcFirstLastPara="0" vert="horz" wrap="square" lIns="91440" tIns="45720" rIns="91440" bIns="45720" numCol="1" spcCol="0" rtlCol="0" fromWordArt="0" anchor="ctr" anchorCtr="0" forceAA="0" compatLnSpc="1">
+              <a:prstTxWarp prst="textNoShape">
+                <a:avLst/>
+              </a:prstTxWarp>
+              <a:noAutofit/>
+            </a:bodyPr>
+            <a:lstStyle/>
+            <a:p>
+              <a:pPr marL="0" marR="0" algn="ctr">
+                <a:lnSpc>
+                  <a:spcPct val="107000"/>
+                </a:lnSpc>
+                <a:spcBef>
+                  <a:spcPts val="0"/>
+                </a:spcBef>
+                <a:spcAft>
+                  <a:spcPts val="800"/>
+                </a:spcAft>
+              </a:pPr>
+              <a:r>
+                <a:rPr lang="en-US" sz="2000">
+                  <a:effectLst/>
+                  <a:latin typeface="Calibri" panose="020F0502020204030204" pitchFamily="34" charset="0"/>
+                  <a:ea typeface="Calibri" panose="020F0502020204030204" pitchFamily="34" charset="0"/>
+                  <a:cs typeface="Times New Roman" panose="02020603050405020304" pitchFamily="18" charset="0"/>
+                </a:rPr>
+                <a:t>LAN: HPC+PFS</a:t>
+              </a:r>
+              <a:endParaRPr lang="en-US" sz="1100">
+                <a:effectLst/>
+                <a:latin typeface="Calibri" panose="020F0502020204030204" pitchFamily="34" charset="0"/>
+                <a:ea typeface="Calibri" panose="020F0502020204030204" pitchFamily="34" charset="0"/>
+                <a:cs typeface="Times New Roman" panose="02020603050405020304" pitchFamily="18" charset="0"/>
+              </a:endParaRPr>
+            </a:p>
+          </p:txBody>
+        </p:sp>
+        <p:sp>
+          <p:nvSpPr>
+            <p:cNvPr id="6" name="Cloud 5">
+              <a:extLst>
+                <a:ext uri="{FF2B5EF4-FFF2-40B4-BE49-F238E27FC236}">
+                  <a16:creationId xmlns:a16="http://schemas.microsoft.com/office/drawing/2014/main" id="{E75ED004-5F5D-49EA-A25B-B0722E0A401A}"/>
+                </a:ext>
+              </a:extLst>
+            </p:cNvPr>
+            <p:cNvSpPr/>
+            <p:nvPr/>
+          </p:nvSpPr>
+          <p:spPr>
+            <a:xfrm>
+              <a:off x="4410075" y="1622035"/>
+              <a:ext cx="2352675" cy="2087850"/>
+            </a:xfrm>
+            <a:prstGeom prst="cloud">
+              <a:avLst/>
+            </a:prstGeom>
+            <a:gradFill flip="none" rotWithShape="1">
+              <a:gsLst>
+                <a:gs pos="0">
+                  <a:srgbClr val="5B9BD5">
+                    <a:lumMod val="5000"/>
+                    <a:lumOff val="95000"/>
+                  </a:srgbClr>
+                </a:gs>
+                <a:gs pos="74000">
+                  <a:srgbClr val="5B9BD5">
+                    <a:lumMod val="45000"/>
+                    <a:lumOff val="55000"/>
+                  </a:srgbClr>
+                </a:gs>
+                <a:gs pos="83000">
+                  <a:srgbClr val="5B9BD5">
+                    <a:lumMod val="45000"/>
+                    <a:lumOff val="55000"/>
+                  </a:srgbClr>
+                </a:gs>
+                <a:gs pos="100000">
+                  <a:srgbClr val="5B9BD5">
+                    <a:lumMod val="30000"/>
+                    <a:lumOff val="70000"/>
+                  </a:srgbClr>
+                </a:gs>
+              </a:gsLst>
+              <a:lin ang="5400000" scaled="1"/>
+              <a:tileRect/>
+            </a:gradFill>
+            <a:ln w="6350" cap="flat" cmpd="sng" algn="ctr">
+              <a:solidFill>
+                <a:srgbClr val="FFC000"/>
+              </a:solidFill>
+              <a:prstDash val="solid"/>
+              <a:miter lim="800000"/>
+            </a:ln>
+            <a:effectLst/>
+          </p:spPr>
+          <p:txBody>
+            <a:bodyPr rot="0" spcFirstLastPara="0" vert="horz" wrap="square" lIns="91440" tIns="45720" rIns="91440" bIns="45720" numCol="1" spcCol="0" rtlCol="0" fromWordArt="0" anchor="ctr" anchorCtr="0" forceAA="0" compatLnSpc="1">
+              <a:prstTxWarp prst="textNoShape">
+                <a:avLst/>
+              </a:prstTxWarp>
+              <a:noAutofit/>
+            </a:bodyPr>
+            <a:lstStyle/>
+            <a:p>
+              <a:pPr marL="0" marR="0" algn="ctr">
+                <a:lnSpc>
+                  <a:spcPct val="107000"/>
+                </a:lnSpc>
+                <a:spcBef>
+                  <a:spcPts val="0"/>
+                </a:spcBef>
+                <a:spcAft>
+                  <a:spcPts val="800"/>
+                </a:spcAft>
+              </a:pPr>
+              <a:r>
+                <a:rPr lang="en-US" sz="2000" dirty="0">
+                  <a:effectLst/>
+                  <a:latin typeface="Calibri" panose="020F0502020204030204" pitchFamily="34" charset="0"/>
+                  <a:ea typeface="Calibri" panose="020F0502020204030204" pitchFamily="34" charset="0"/>
+                  <a:cs typeface="Times New Roman" panose="02020603050405020304" pitchFamily="18" charset="0"/>
+                </a:rPr>
+                <a:t>WAN: Cloud Computing + Object Storage</a:t>
+              </a:r>
+              <a:endParaRPr lang="en-US" sz="1100" dirty="0">
+                <a:effectLst/>
+                <a:latin typeface="Calibri" panose="020F0502020204030204" pitchFamily="34" charset="0"/>
+                <a:ea typeface="Calibri" panose="020F0502020204030204" pitchFamily="34" charset="0"/>
+                <a:cs typeface="Times New Roman" panose="02020603050405020304" pitchFamily="18" charset="0"/>
+              </a:endParaRPr>
+            </a:p>
+          </p:txBody>
+        </p:sp>
+        <p:sp>
+          <p:nvSpPr>
+            <p:cNvPr id="7" name="Rounded Rectangle 483">
+              <a:extLst>
+                <a:ext uri="{FF2B5EF4-FFF2-40B4-BE49-F238E27FC236}">
+                  <a16:creationId xmlns:a16="http://schemas.microsoft.com/office/drawing/2014/main" id="{0A162B83-5102-4F75-9824-A6C222A0FA6C}"/>
+                </a:ext>
+              </a:extLst>
+            </p:cNvPr>
+            <p:cNvSpPr/>
+            <p:nvPr/>
+          </p:nvSpPr>
+          <p:spPr>
+            <a:xfrm>
+              <a:off x="19050" y="0"/>
+              <a:ext cx="914400" cy="914400"/>
+            </a:xfrm>
+            <a:prstGeom prst="roundRect">
+              <a:avLst/>
+            </a:prstGeom>
+            <a:gradFill rotWithShape="1">
+              <a:gsLst>
+                <a:gs pos="0">
+                  <a:srgbClr val="A5A5A5">
+                    <a:lumMod val="110000"/>
+                    <a:satMod val="105000"/>
+                    <a:tint val="67000"/>
+                  </a:srgbClr>
+                </a:gs>
+                <a:gs pos="50000">
+                  <a:srgbClr val="A5A5A5">
+                    <a:lumMod val="105000"/>
+                    <a:satMod val="103000"/>
+                    <a:tint val="73000"/>
+                  </a:srgbClr>
+                </a:gs>
+                <a:gs pos="100000">
+                  <a:srgbClr val="A5A5A5">
+                    <a:lumMod val="105000"/>
+                    <a:satMod val="109000"/>
+                    <a:tint val="81000"/>
+                  </a:srgbClr>
+                </a:gs>
+              </a:gsLst>
+              <a:lin ang="5400000" scaled="0"/>
+            </a:gradFill>
+            <a:ln w="6350" cap="flat" cmpd="sng" algn="ctr">
+              <a:solidFill>
+                <a:srgbClr val="A5A5A5"/>
+              </a:solidFill>
+              <a:prstDash val="solid"/>
+              <a:miter lim="800000"/>
+            </a:ln>
+            <a:effectLst/>
+          </p:spPr>
+          <p:txBody>
+            <a:bodyPr rot="0" spcFirstLastPara="0" vert="horz" wrap="square" lIns="91440" tIns="45720" rIns="91440" bIns="45720" numCol="1" spcCol="0" rtlCol="0" fromWordArt="0" anchor="ctr" anchorCtr="0" forceAA="0" compatLnSpc="1">
+              <a:prstTxWarp prst="textNoShape">
+                <a:avLst/>
+              </a:prstTxWarp>
+              <a:noAutofit/>
+            </a:bodyPr>
+            <a:lstStyle/>
+            <a:p>
+              <a:pPr marL="0" marR="0" algn="ctr">
+                <a:lnSpc>
+                  <a:spcPct val="107000"/>
+                </a:lnSpc>
+                <a:spcBef>
+                  <a:spcPts val="0"/>
+                </a:spcBef>
+                <a:spcAft>
+                  <a:spcPts val="800"/>
+                </a:spcAft>
+              </a:pPr>
+              <a:r>
+                <a:rPr lang="en-US" sz="1100">
+                  <a:effectLst/>
+                  <a:latin typeface="Calibri" panose="020F0502020204030204" pitchFamily="34" charset="0"/>
+                  <a:ea typeface="Calibri" panose="020F0502020204030204" pitchFamily="34" charset="0"/>
+                  <a:cs typeface="Times New Roman" panose="02020603050405020304" pitchFamily="18" charset="0"/>
+                </a:rPr>
+                <a:t>HPC Scientific workflows</a:t>
+              </a:r>
+            </a:p>
+          </p:txBody>
+        </p:sp>
+        <p:sp>
+          <p:nvSpPr>
+            <p:cNvPr id="8" name="Rounded Rectangle 484">
+              <a:extLst>
+                <a:ext uri="{FF2B5EF4-FFF2-40B4-BE49-F238E27FC236}">
+                  <a16:creationId xmlns:a16="http://schemas.microsoft.com/office/drawing/2014/main" id="{4A50BCBC-B3E5-4623-B186-B71F4FDD785A}"/>
+                </a:ext>
+              </a:extLst>
+            </p:cNvPr>
+            <p:cNvSpPr/>
+            <p:nvPr/>
+          </p:nvSpPr>
+          <p:spPr>
+            <a:xfrm>
+              <a:off x="0" y="1438275"/>
+              <a:ext cx="914400" cy="914400"/>
+            </a:xfrm>
+            <a:prstGeom prst="roundRect">
+              <a:avLst/>
+            </a:prstGeom>
+            <a:gradFill rotWithShape="1">
+              <a:gsLst>
+                <a:gs pos="0">
+                  <a:srgbClr val="A5A5A5">
+                    <a:lumMod val="110000"/>
+                    <a:satMod val="105000"/>
+                    <a:tint val="67000"/>
+                  </a:srgbClr>
+                </a:gs>
+                <a:gs pos="50000">
+                  <a:srgbClr val="A5A5A5">
+                    <a:lumMod val="105000"/>
+                    <a:satMod val="103000"/>
+                    <a:tint val="73000"/>
+                  </a:srgbClr>
+                </a:gs>
+                <a:gs pos="100000">
+                  <a:srgbClr val="A5A5A5">
+                    <a:lumMod val="105000"/>
+                    <a:satMod val="109000"/>
+                    <a:tint val="81000"/>
+                  </a:srgbClr>
+                </a:gs>
+              </a:gsLst>
+              <a:lin ang="5400000" scaled="0"/>
+            </a:gradFill>
+            <a:ln w="6350" cap="flat" cmpd="sng" algn="ctr">
+              <a:solidFill>
+                <a:srgbClr val="A5A5A5"/>
+              </a:solidFill>
+              <a:prstDash val="solid"/>
+              <a:miter lim="800000"/>
+            </a:ln>
+            <a:effectLst/>
+          </p:spPr>
+          <p:txBody>
+            <a:bodyPr rot="0" spcFirstLastPara="0" vert="horz" wrap="square" lIns="91440" tIns="45720" rIns="91440" bIns="45720" numCol="1" spcCol="0" rtlCol="0" fromWordArt="0" anchor="ctr" anchorCtr="0" forceAA="0" compatLnSpc="1">
+              <a:prstTxWarp prst="textNoShape">
+                <a:avLst/>
+              </a:prstTxWarp>
+              <a:noAutofit/>
+            </a:bodyPr>
+            <a:lstStyle/>
+            <a:p>
+              <a:pPr marL="0" marR="0" algn="ctr">
+                <a:lnSpc>
+                  <a:spcPct val="107000"/>
+                </a:lnSpc>
+                <a:spcBef>
+                  <a:spcPts val="0"/>
+                </a:spcBef>
+                <a:spcAft>
+                  <a:spcPts val="800"/>
+                </a:spcAft>
+              </a:pPr>
+              <a:r>
+                <a:rPr lang="en-US" sz="1100">
+                  <a:effectLst/>
+                  <a:latin typeface="Calibri" panose="020F0502020204030204" pitchFamily="34" charset="0"/>
+                  <a:ea typeface="Calibri" panose="020F0502020204030204" pitchFamily="34" charset="0"/>
+                  <a:cs typeface="Times New Roman" panose="02020603050405020304" pitchFamily="18" charset="0"/>
+                </a:rPr>
+                <a:t>HPC Scientific workflows</a:t>
+              </a:r>
+            </a:p>
+          </p:txBody>
+        </p:sp>
+        <p:sp>
+          <p:nvSpPr>
+            <p:cNvPr id="9" name="Rounded Rectangle 485">
+              <a:extLst>
+                <a:ext uri="{FF2B5EF4-FFF2-40B4-BE49-F238E27FC236}">
+                  <a16:creationId xmlns:a16="http://schemas.microsoft.com/office/drawing/2014/main" id="{0A88E1EA-A30B-4F28-AA6C-C2D8F088420C}"/>
+                </a:ext>
+              </a:extLst>
+            </p:cNvPr>
+            <p:cNvSpPr/>
+            <p:nvPr/>
+          </p:nvSpPr>
+          <p:spPr>
+            <a:xfrm>
+              <a:off x="6762750" y="3352800"/>
+              <a:ext cx="914400" cy="914400"/>
+            </a:xfrm>
+            <a:prstGeom prst="roundRect">
+              <a:avLst/>
+            </a:prstGeom>
+            <a:gradFill flip="none" rotWithShape="1">
+              <a:gsLst>
+                <a:gs pos="0">
+                  <a:srgbClr val="ED7D31">
+                    <a:lumMod val="5000"/>
+                    <a:lumOff val="95000"/>
+                  </a:srgbClr>
+                </a:gs>
+                <a:gs pos="74000">
+                  <a:srgbClr val="ED7D31">
+                    <a:lumMod val="45000"/>
+                    <a:lumOff val="55000"/>
+                  </a:srgbClr>
+                </a:gs>
+                <a:gs pos="83000">
+                  <a:srgbClr val="ED7D31">
+                    <a:lumMod val="45000"/>
+                    <a:lumOff val="55000"/>
+                  </a:srgbClr>
+                </a:gs>
+                <a:gs pos="100000">
+                  <a:srgbClr val="ED7D31">
+                    <a:lumMod val="30000"/>
+                    <a:lumOff val="70000"/>
+                  </a:srgbClr>
+                </a:gs>
+              </a:gsLst>
+              <a:lin ang="5400000" scaled="1"/>
+              <a:tileRect/>
+            </a:gradFill>
+            <a:ln w="6350" cap="flat" cmpd="sng" algn="ctr">
+              <a:solidFill>
+                <a:srgbClr val="A5A5A5"/>
+              </a:solidFill>
+              <a:prstDash val="solid"/>
+              <a:miter lim="800000"/>
+            </a:ln>
+            <a:effectLst/>
+          </p:spPr>
+          <p:txBody>
+            <a:bodyPr rot="0" spcFirstLastPara="0" vert="horz" wrap="square" lIns="91440" tIns="45720" rIns="91440" bIns="45720" numCol="1" spcCol="0" rtlCol="0" fromWordArt="0" anchor="ctr" anchorCtr="0" forceAA="0" compatLnSpc="1">
+              <a:prstTxWarp prst="textNoShape">
+                <a:avLst/>
+              </a:prstTxWarp>
+              <a:noAutofit/>
+            </a:bodyPr>
+            <a:lstStyle/>
+            <a:p>
+              <a:pPr marL="0" marR="0" algn="ctr">
+                <a:lnSpc>
+                  <a:spcPct val="107000"/>
+                </a:lnSpc>
+                <a:spcBef>
+                  <a:spcPts val="0"/>
+                </a:spcBef>
+                <a:spcAft>
+                  <a:spcPts val="800"/>
+                </a:spcAft>
+              </a:pPr>
+              <a:r>
+                <a:rPr lang="en-US" sz="1100">
+                  <a:effectLst/>
+                  <a:latin typeface="Calibri" panose="020F0502020204030204" pitchFamily="34" charset="0"/>
+                  <a:ea typeface="Calibri" panose="020F0502020204030204" pitchFamily="34" charset="0"/>
+                  <a:cs typeface="Times New Roman" panose="02020603050405020304" pitchFamily="18" charset="0"/>
+                </a:rPr>
+                <a:t>Big Data Scientific workflows</a:t>
+              </a:r>
+            </a:p>
+          </p:txBody>
+        </p:sp>
+        <p:sp>
+          <p:nvSpPr>
+            <p:cNvPr id="10" name="Rounded Rectangle 486">
+              <a:extLst>
+                <a:ext uri="{FF2B5EF4-FFF2-40B4-BE49-F238E27FC236}">
+                  <a16:creationId xmlns:a16="http://schemas.microsoft.com/office/drawing/2014/main" id="{8173EC32-3418-4CDD-A449-C20E3C41E6D2}"/>
+                </a:ext>
+              </a:extLst>
+            </p:cNvPr>
+            <p:cNvSpPr/>
+            <p:nvPr/>
+          </p:nvSpPr>
+          <p:spPr>
+            <a:xfrm>
+              <a:off x="6619875" y="571849"/>
+              <a:ext cx="914400" cy="914400"/>
+            </a:xfrm>
+            <a:prstGeom prst="roundRect">
+              <a:avLst/>
+            </a:prstGeom>
+            <a:gradFill flip="none" rotWithShape="1">
+              <a:gsLst>
+                <a:gs pos="0">
+                  <a:srgbClr val="ED7D31">
+                    <a:lumMod val="5000"/>
+                    <a:lumOff val="95000"/>
+                  </a:srgbClr>
+                </a:gs>
+                <a:gs pos="74000">
+                  <a:srgbClr val="ED7D31">
+                    <a:lumMod val="45000"/>
+                    <a:lumOff val="55000"/>
+                  </a:srgbClr>
+                </a:gs>
+                <a:gs pos="83000">
+                  <a:srgbClr val="ED7D31">
+                    <a:lumMod val="45000"/>
+                    <a:lumOff val="55000"/>
+                  </a:srgbClr>
+                </a:gs>
+                <a:gs pos="100000">
+                  <a:srgbClr val="ED7D31">
+                    <a:lumMod val="30000"/>
+                    <a:lumOff val="70000"/>
+                  </a:srgbClr>
+                </a:gs>
+              </a:gsLst>
+              <a:lin ang="5400000" scaled="1"/>
+              <a:tileRect/>
+            </a:gradFill>
+            <a:ln w="6350" cap="flat" cmpd="sng" algn="ctr">
+              <a:solidFill>
+                <a:srgbClr val="A5A5A5"/>
+              </a:solidFill>
+              <a:prstDash val="solid"/>
+              <a:miter lim="800000"/>
+            </a:ln>
+            <a:effectLst/>
+          </p:spPr>
+          <p:txBody>
+            <a:bodyPr rot="0" spcFirstLastPara="0" vert="horz" wrap="square" lIns="91440" tIns="45720" rIns="91440" bIns="45720" numCol="1" spcCol="0" rtlCol="0" fromWordArt="0" anchor="ctr" anchorCtr="0" forceAA="0" compatLnSpc="1">
+              <a:prstTxWarp prst="textNoShape">
+                <a:avLst/>
+              </a:prstTxWarp>
+              <a:noAutofit/>
+            </a:bodyPr>
+            <a:lstStyle/>
+            <a:p>
+              <a:pPr marL="0" marR="0" algn="ctr">
+                <a:lnSpc>
+                  <a:spcPct val="107000"/>
+                </a:lnSpc>
+                <a:spcBef>
+                  <a:spcPts val="0"/>
+                </a:spcBef>
+                <a:spcAft>
+                  <a:spcPts val="800"/>
+                </a:spcAft>
+              </a:pPr>
+              <a:r>
+                <a:rPr lang="en-US" sz="1100">
+                  <a:effectLst/>
+                  <a:latin typeface="Calibri" panose="020F0502020204030204" pitchFamily="34" charset="0"/>
+                  <a:ea typeface="Calibri" panose="020F0502020204030204" pitchFamily="34" charset="0"/>
+                  <a:cs typeface="Times New Roman" panose="02020603050405020304" pitchFamily="18" charset="0"/>
+                </a:rPr>
+                <a:t>Cloud Scientific workflows</a:t>
+              </a:r>
+            </a:p>
+          </p:txBody>
+        </p:sp>
+        <p:sp>
+          <p:nvSpPr>
+            <p:cNvPr id="11" name="Left-Right Arrow 487">
+              <a:extLst>
+                <a:ext uri="{FF2B5EF4-FFF2-40B4-BE49-F238E27FC236}">
+                  <a16:creationId xmlns:a16="http://schemas.microsoft.com/office/drawing/2014/main" id="{193A6903-B033-4A75-A12D-642A9CFB2185}"/>
+                </a:ext>
+              </a:extLst>
+            </p:cNvPr>
+            <p:cNvSpPr/>
+            <p:nvPr/>
+          </p:nvSpPr>
+          <p:spPr>
+            <a:xfrm rot="1606550">
+              <a:off x="2639948" y="1668169"/>
+              <a:ext cx="819150" cy="257508"/>
+            </a:xfrm>
+            <a:prstGeom prst="leftRightArrow">
+              <a:avLst/>
+            </a:prstGeom>
+            <a:solidFill>
+              <a:srgbClr val="C00000"/>
+            </a:solidFill>
+            <a:ln w="12700" cap="flat" cmpd="sng" algn="ctr">
+              <a:solidFill>
+                <a:srgbClr val="5B9BD5">
+                  <a:shade val="50000"/>
+                </a:srgbClr>
+              </a:solidFill>
+              <a:prstDash val="solid"/>
+              <a:miter lim="800000"/>
+            </a:ln>
+            <a:effectLst/>
+          </p:spPr>
+          <p:txBody>
+            <a:bodyPr rot="0" spcFirstLastPara="0" vert="horz" wrap="square" lIns="91440" tIns="45720" rIns="91440" bIns="45720" numCol="1" spcCol="0" rtlCol="0" fromWordArt="0" anchor="ctr" anchorCtr="0" forceAA="0" compatLnSpc="1">
+              <a:prstTxWarp prst="textNoShape">
+                <a:avLst/>
+              </a:prstTxWarp>
+              <a:noAutofit/>
+            </a:bodyPr>
+            <a:lstStyle/>
+            <a:p>
+              <a:endParaRPr lang="en-US"/>
+            </a:p>
+          </p:txBody>
+        </p:sp>
+        <p:sp>
+          <p:nvSpPr>
+            <p:cNvPr id="12" name="Left-Right Arrow 488">
+              <a:extLst>
+                <a:ext uri="{FF2B5EF4-FFF2-40B4-BE49-F238E27FC236}">
+                  <a16:creationId xmlns:a16="http://schemas.microsoft.com/office/drawing/2014/main" id="{66B8395D-271A-43F2-A48B-5A60970C139F}"/>
+                </a:ext>
+              </a:extLst>
+            </p:cNvPr>
+            <p:cNvSpPr/>
+            <p:nvPr/>
+          </p:nvSpPr>
+          <p:spPr>
+            <a:xfrm rot="2560178">
+              <a:off x="821004" y="618154"/>
+              <a:ext cx="826763" cy="316218"/>
+            </a:xfrm>
+            <a:prstGeom prst="leftRightArrow">
+              <a:avLst/>
+            </a:prstGeom>
+            <a:solidFill>
+              <a:srgbClr val="C00000"/>
+            </a:solidFill>
+            <a:ln w="12700" cap="flat" cmpd="sng" algn="ctr">
+              <a:solidFill>
+                <a:srgbClr val="5B9BD5">
+                  <a:shade val="50000"/>
+                </a:srgbClr>
+              </a:solidFill>
+              <a:prstDash val="solid"/>
+              <a:miter lim="800000"/>
+            </a:ln>
+            <a:effectLst/>
+          </p:spPr>
+          <p:txBody>
+            <a:bodyPr rot="0" spcFirstLastPara="0" vert="horz" wrap="square" lIns="91440" tIns="45720" rIns="91440" bIns="45720" numCol="1" spcCol="0" rtlCol="0" fromWordArt="0" anchor="ctr" anchorCtr="0" forceAA="0" compatLnSpc="1">
+              <a:prstTxWarp prst="textNoShape">
+                <a:avLst/>
+              </a:prstTxWarp>
+              <a:noAutofit/>
+            </a:bodyPr>
+            <a:lstStyle/>
+            <a:p>
+              <a:endParaRPr lang="en-US"/>
+            </a:p>
+          </p:txBody>
+        </p:sp>
+        <p:sp>
+          <p:nvSpPr>
+            <p:cNvPr id="13" name="Left-Right Arrow 489">
+              <a:extLst>
+                <a:ext uri="{FF2B5EF4-FFF2-40B4-BE49-F238E27FC236}">
+                  <a16:creationId xmlns:a16="http://schemas.microsoft.com/office/drawing/2014/main" id="{D9CF7DCF-9E53-4C3F-A0A6-4F0EF9BC0501}"/>
+                </a:ext>
+              </a:extLst>
+            </p:cNvPr>
+            <p:cNvSpPr/>
+            <p:nvPr/>
+          </p:nvSpPr>
+          <p:spPr>
+            <a:xfrm rot="20180921">
+              <a:off x="866775" y="1666875"/>
+              <a:ext cx="819150" cy="257508"/>
+            </a:xfrm>
+            <a:prstGeom prst="leftRightArrow">
+              <a:avLst/>
+            </a:prstGeom>
+            <a:solidFill>
+              <a:srgbClr val="C00000"/>
+            </a:solidFill>
+            <a:ln w="12700" cap="flat" cmpd="sng" algn="ctr">
+              <a:solidFill>
+                <a:srgbClr val="5B9BD5">
+                  <a:shade val="50000"/>
+                </a:srgbClr>
+              </a:solidFill>
+              <a:prstDash val="solid"/>
+              <a:miter lim="800000"/>
+            </a:ln>
+            <a:effectLst/>
+          </p:spPr>
+          <p:txBody>
+            <a:bodyPr rot="0" spcFirstLastPara="0" vert="horz" wrap="square" lIns="91440" tIns="45720" rIns="91440" bIns="45720" numCol="1" spcCol="0" rtlCol="0" fromWordArt="0" anchor="ctr" anchorCtr="0" forceAA="0" compatLnSpc="1">
+              <a:prstTxWarp prst="textNoShape">
+                <a:avLst/>
+              </a:prstTxWarp>
+              <a:noAutofit/>
+            </a:bodyPr>
+            <a:lstStyle/>
+            <a:p>
+              <a:endParaRPr lang="en-US"/>
+            </a:p>
+          </p:txBody>
+        </p:sp>
+        <p:sp>
+          <p:nvSpPr>
+            <p:cNvPr id="14" name="Left-Right Arrow 490">
+              <a:extLst>
+                <a:ext uri="{FF2B5EF4-FFF2-40B4-BE49-F238E27FC236}">
+                  <a16:creationId xmlns:a16="http://schemas.microsoft.com/office/drawing/2014/main" id="{BBBB8341-4B85-406F-9CB8-2BD779BC60A8}"/>
+                </a:ext>
+              </a:extLst>
+            </p:cNvPr>
+            <p:cNvSpPr/>
+            <p:nvPr/>
+          </p:nvSpPr>
+          <p:spPr>
+            <a:xfrm rot="2896190">
+              <a:off x="6153177" y="3149094"/>
+              <a:ext cx="819150" cy="257175"/>
+            </a:xfrm>
+            <a:prstGeom prst="leftRightArrow">
+              <a:avLst/>
+            </a:prstGeom>
+            <a:solidFill>
+              <a:srgbClr val="C00000"/>
+            </a:solidFill>
+            <a:ln w="12700" cap="flat" cmpd="sng" algn="ctr">
+              <a:solidFill>
+                <a:srgbClr val="5B9BD5">
+                  <a:shade val="50000"/>
+                </a:srgbClr>
+              </a:solidFill>
+              <a:prstDash val="solid"/>
+              <a:miter lim="800000"/>
+            </a:ln>
+            <a:effectLst/>
+          </p:spPr>
+          <p:txBody>
+            <a:bodyPr rot="0" spcFirstLastPara="0" vert="horz" wrap="square" lIns="91440" tIns="45720" rIns="91440" bIns="45720" numCol="1" spcCol="0" rtlCol="0" fromWordArt="0" anchor="ctr" anchorCtr="0" forceAA="0" compatLnSpc="1">
+              <a:prstTxWarp prst="textNoShape">
+                <a:avLst/>
+              </a:prstTxWarp>
+              <a:noAutofit/>
+            </a:bodyPr>
+            <a:lstStyle/>
+            <a:p>
+              <a:endParaRPr lang="en-US"/>
+            </a:p>
+          </p:txBody>
+        </p:sp>
+        <p:sp>
+          <p:nvSpPr>
+            <p:cNvPr id="15" name="Left-Right Arrow 491">
+              <a:extLst>
+                <a:ext uri="{FF2B5EF4-FFF2-40B4-BE49-F238E27FC236}">
+                  <a16:creationId xmlns:a16="http://schemas.microsoft.com/office/drawing/2014/main" id="{B794D564-D002-4A47-847A-9B6CBC397386}"/>
+                </a:ext>
+              </a:extLst>
+            </p:cNvPr>
+            <p:cNvSpPr/>
+            <p:nvPr/>
+          </p:nvSpPr>
+          <p:spPr>
+            <a:xfrm rot="1606550">
+              <a:off x="3861956" y="2224029"/>
+              <a:ext cx="774644" cy="257508"/>
+            </a:xfrm>
+            <a:prstGeom prst="leftRightArrow">
+              <a:avLst/>
+            </a:prstGeom>
+            <a:solidFill>
+              <a:srgbClr val="C00000"/>
+            </a:solidFill>
+            <a:ln w="12700" cap="flat" cmpd="sng" algn="ctr">
+              <a:solidFill>
+                <a:srgbClr val="5B9BD5">
+                  <a:shade val="50000"/>
+                </a:srgbClr>
+              </a:solidFill>
+              <a:prstDash val="solid"/>
+              <a:miter lim="800000"/>
+            </a:ln>
+            <a:effectLst/>
+          </p:spPr>
+          <p:txBody>
+            <a:bodyPr rot="0" spcFirstLastPara="0" vert="horz" wrap="square" lIns="91440" tIns="45720" rIns="91440" bIns="45720" numCol="1" spcCol="0" rtlCol="0" fromWordArt="0" anchor="ctr" anchorCtr="0" forceAA="0" compatLnSpc="1">
+              <a:prstTxWarp prst="textNoShape">
+                <a:avLst/>
+              </a:prstTxWarp>
+              <a:noAutofit/>
+            </a:bodyPr>
+            <a:lstStyle/>
+            <a:p>
+              <a:endParaRPr lang="en-US"/>
+            </a:p>
+          </p:txBody>
+        </p:sp>
+        <p:sp>
+          <p:nvSpPr>
+            <p:cNvPr id="16" name="Left-Right Arrow 492">
+              <a:extLst>
+                <a:ext uri="{FF2B5EF4-FFF2-40B4-BE49-F238E27FC236}">
+                  <a16:creationId xmlns:a16="http://schemas.microsoft.com/office/drawing/2014/main" id="{AC436AF5-0436-4986-B2B1-9491055C396E}"/>
+                </a:ext>
+              </a:extLst>
+            </p:cNvPr>
+            <p:cNvSpPr/>
+            <p:nvPr/>
+          </p:nvSpPr>
+          <p:spPr>
+            <a:xfrm rot="18572586">
+              <a:off x="6342962" y="1606067"/>
+              <a:ext cx="819150" cy="257175"/>
+            </a:xfrm>
+            <a:prstGeom prst="leftRightArrow">
+              <a:avLst/>
+            </a:prstGeom>
+            <a:solidFill>
+              <a:srgbClr val="C00000"/>
+            </a:solidFill>
+            <a:ln w="12700" cap="flat" cmpd="sng" algn="ctr">
+              <a:solidFill>
+                <a:srgbClr val="5B9BD5">
+                  <a:shade val="50000"/>
+                </a:srgbClr>
+              </a:solidFill>
+              <a:prstDash val="solid"/>
+              <a:miter lim="800000"/>
+            </a:ln>
+            <a:effectLst/>
+          </p:spPr>
+          <p:txBody>
+            <a:bodyPr rot="0" spcFirstLastPara="0" vert="horz" wrap="square" lIns="91440" tIns="45720" rIns="91440" bIns="45720" numCol="1" spcCol="0" rtlCol="0" fromWordArt="0" anchor="ctr" anchorCtr="0" forceAA="0" compatLnSpc="1">
+              <a:prstTxWarp prst="textNoShape">
+                <a:avLst/>
+              </a:prstTxWarp>
+              <a:noAutofit/>
+            </a:bodyPr>
+            <a:lstStyle/>
+            <a:p>
+              <a:endParaRPr lang="en-US"/>
+            </a:p>
+          </p:txBody>
+        </p:sp>
+      </p:grpSp>
+      <p:sp>
+        <p:nvSpPr>
+          <p:cNvPr id="17" name="Rectangle 16">
+            <a:extLst>
+              <a:ext uri="{FF2B5EF4-FFF2-40B4-BE49-F238E27FC236}">
+                <a16:creationId xmlns:a16="http://schemas.microsoft.com/office/drawing/2014/main" id="{EDC17349-7625-4799-8C22-CC3473B5A230}"/>
+              </a:ext>
+            </a:extLst>
+          </p:cNvPr>
+          <p:cNvSpPr/>
+          <p:nvPr/>
+        </p:nvSpPr>
+        <p:spPr>
+          <a:xfrm>
+            <a:off x="5610702" y="3195330"/>
+            <a:ext cx="1511924" cy="983243"/>
+          </a:xfrm>
+          <a:prstGeom prst="rect">
+            <a:avLst/>
+          </a:prstGeom>
+        </p:spPr>
+        <p:style>
+          <a:lnRef idx="2">
+            <a:schemeClr val="accent1">
+              <a:shade val="50000"/>
+            </a:schemeClr>
+          </a:lnRef>
+          <a:fillRef idx="1">
+            <a:schemeClr val="accent1"/>
+          </a:fillRef>
+          <a:effectRef idx="0">
+            <a:schemeClr val="accent1"/>
+          </a:effectRef>
+          <a:fontRef idx="minor">
+            <a:schemeClr val="lt1"/>
+          </a:fontRef>
+        </p:style>
+        <p:txBody>
+          <a:bodyPr rtlCol="0" anchor="ctr"/>
+          <a:lstStyle/>
+          <a:p>
+            <a:pPr algn="ctr"/>
+            <a:r>
+              <a:rPr lang="en-US" dirty="0"/>
+              <a:t>Database</a:t>
+            </a:r>
+            <a:br>
+              <a:rPr lang="en-US" dirty="0"/>
+            </a:br>
+            <a:r>
+              <a:rPr lang="en-US" dirty="0"/>
+              <a:t>???</a:t>
+            </a:r>
+          </a:p>
+        </p:txBody>
+      </p:sp>
+    </p:spTree>
+    <p:extLst>
+      <p:ext uri="{BB962C8B-B14F-4D97-AF65-F5344CB8AC3E}">
+        <p14:creationId xmlns:p14="http://schemas.microsoft.com/office/powerpoint/2010/main" val="493841379"/>
+      </p:ext>
+    </p:extLst>
+  </p:cSld>
+  <p:clrMapOvr>
+    <a:masterClrMapping/>
+  </p:clrMapOvr>
+</p:sld>
+</file>
+
+<file path=ppt/slides/slide19.xml><?xml version="1.0" encoding="utf-8"?>
+<p:sld xmlns:a="http://schemas.openxmlformats.org/drawingml/2006/main" xmlns:r="http://schemas.openxmlformats.org/officeDocument/2006/relationships" xmlns:p="http://schemas.openxmlformats.org/presentationml/2006/main">
+  <p:cSld>
+    <p:spTree>
+      <p:nvGrpSpPr>
+        <p:cNvPr id="1" name=""/>
+        <p:cNvGrpSpPr/>
+        <p:nvPr/>
+      </p:nvGrpSpPr>
+      <p:grpSpPr>
+        <a:xfrm>
+          <a:off x="0" y="0"/>
+          <a:ext cx="0" cy="0"/>
+          <a:chOff x="0" y="0"/>
+          <a:chExt cx="0" cy="0"/>
+        </a:xfrm>
+      </p:grpSpPr>
+      <p:sp>
+        <p:nvSpPr>
+          <p:cNvPr id="2" name="Title 1">
+            <a:extLst>
+              <a:ext uri="{FF2B5EF4-FFF2-40B4-BE49-F238E27FC236}">
+                <a16:creationId xmlns:a16="http://schemas.microsoft.com/office/drawing/2014/main" id="{A2CF243F-3057-4D17-9D75-5640E9104E72}"/>
+              </a:ext>
+            </a:extLst>
+          </p:cNvPr>
+          <p:cNvSpPr>
+            <a:spLocks noGrp="1"/>
+          </p:cNvSpPr>
+          <p:nvPr>
+            <p:ph type="title"/>
+          </p:nvPr>
+        </p:nvSpPr>
+        <p:spPr/>
+        <p:txBody>
+          <a:bodyPr/>
+          <a:lstStyle/>
+          <a:p>
+            <a:r>
+              <a:rPr lang="en-US" dirty="0"/>
+              <a:t>Database</a:t>
             </a:r>
           </a:p>
         </p:txBody>
@@ -12103,7 +14678,7 @@
           <p:cNvPr id="3" name="Content Placeholder 2">
             <a:extLst>
               <a:ext uri="{FF2B5EF4-FFF2-40B4-BE49-F238E27FC236}">
-                <a16:creationId xmlns:a16="http://schemas.microsoft.com/office/drawing/2014/main" id="{BBE978A8-351D-4D5A-9064-F36D6C229991}"/>
+                <a16:creationId xmlns:a16="http://schemas.microsoft.com/office/drawing/2014/main" id="{B6C09BA8-F024-45C9-AB65-D6A2975B6BF4}"/>
               </a:ext>
             </a:extLst>
           </p:cNvPr>
@@ -12116,12 +14691,47 @@
         </p:nvSpPr>
         <p:spPr/>
         <p:txBody>
-          <a:bodyPr/>
+          <a:bodyPr>
+            <a:normAutofit/>
+          </a:bodyPr>
           <a:lstStyle/>
           <a:p>
             <a:r>
-              <a:rPr lang="en-US" dirty="0"/>
-              <a:t>Questions?</a:t>
+              <a:rPr lang="en-US" sz="2400" dirty="0"/>
+              <a:t>Core to  providing uniform approach to data management across systems</a:t>
+            </a:r>
+          </a:p>
+          <a:p>
+            <a:r>
+              <a:rPr lang="en-US" sz="2400" dirty="0"/>
+              <a:t>Current setup address basic management requirements</a:t>
+            </a:r>
+          </a:p>
+          <a:p>
+            <a:pPr lvl="1"/>
+            <a:r>
+              <a:rPr lang="en-US" sz="2000" dirty="0"/>
+              <a:t>Identifications, Cloud Locations, Parallel Storage …</a:t>
+            </a:r>
+          </a:p>
+          <a:p>
+            <a:r>
+              <a:rPr lang="en-US" sz="2400" dirty="0"/>
+              <a:t>Expansion required to support the further development</a:t>
+            </a:r>
+          </a:p>
+          <a:p>
+            <a:pPr lvl="1"/>
+            <a:r>
+              <a:rPr lang="en-US" sz="2000" dirty="0"/>
+              <a:t>Hierarchal data management</a:t>
+            </a:r>
+          </a:p>
+          <a:p>
+            <a:pPr lvl="1"/>
+            <a:r>
+              <a:rPr lang="en-US" sz="2000" dirty="0"/>
+              <a:t>Capture additional meta data (over head would be minimal)</a:t>
             </a:r>
           </a:p>
         </p:txBody>
@@ -12129,7 +14739,7 @@
     </p:spTree>
     <p:extLst>
       <p:ext uri="{BB962C8B-B14F-4D97-AF65-F5344CB8AC3E}">
-        <p14:creationId xmlns:p14="http://schemas.microsoft.com/office/powerpoint/2010/main" val="1428429251"/>
+        <p14:creationId xmlns:p14="http://schemas.microsoft.com/office/powerpoint/2010/main" val="2748403194"/>
       </p:ext>
     </p:extLst>
   </p:cSld>
@@ -12247,6 +14857,175 @@
     <p:extLst>
       <p:ext uri="{BB962C8B-B14F-4D97-AF65-F5344CB8AC3E}">
         <p14:creationId xmlns:p14="http://schemas.microsoft.com/office/powerpoint/2010/main" val="1816972649"/>
+      </p:ext>
+    </p:extLst>
+  </p:cSld>
+  <p:clrMapOvr>
+    <a:masterClrMapping/>
+  </p:clrMapOvr>
+</p:sld>
+</file>
+
+<file path=ppt/slides/slide20.xml><?xml version="1.0" encoding="utf-8"?>
+<p:sld xmlns:a="http://schemas.openxmlformats.org/drawingml/2006/main" xmlns:r="http://schemas.openxmlformats.org/officeDocument/2006/relationships" xmlns:p="http://schemas.openxmlformats.org/presentationml/2006/main">
+  <p:cSld>
+    <p:spTree>
+      <p:nvGrpSpPr>
+        <p:cNvPr id="1" name=""/>
+        <p:cNvGrpSpPr/>
+        <p:nvPr/>
+      </p:nvGrpSpPr>
+      <p:grpSpPr>
+        <a:xfrm>
+          <a:off x="0" y="0"/>
+          <a:ext cx="0" cy="0"/>
+          <a:chOff x="0" y="0"/>
+          <a:chExt cx="0" cy="0"/>
+        </a:xfrm>
+      </p:grpSpPr>
+      <p:sp>
+        <p:nvSpPr>
+          <p:cNvPr id="2" name="Title 1">
+            <a:extLst>
+              <a:ext uri="{FF2B5EF4-FFF2-40B4-BE49-F238E27FC236}">
+                <a16:creationId xmlns:a16="http://schemas.microsoft.com/office/drawing/2014/main" id="{A2CF243F-3057-4D17-9D75-5640E9104E72}"/>
+              </a:ext>
+            </a:extLst>
+          </p:cNvPr>
+          <p:cNvSpPr>
+            <a:spLocks noGrp="1"/>
+          </p:cNvSpPr>
+          <p:nvPr>
+            <p:ph type="title"/>
+          </p:nvPr>
+        </p:nvSpPr>
+        <p:spPr/>
+        <p:txBody>
+          <a:bodyPr/>
+          <a:lstStyle/>
+          <a:p>
+            <a:r>
+              <a:rPr lang="en-US" dirty="0"/>
+              <a:t>Conclusion</a:t>
+            </a:r>
+          </a:p>
+        </p:txBody>
+      </p:sp>
+      <p:sp>
+        <p:nvSpPr>
+          <p:cNvPr id="3" name="Content Placeholder 2">
+            <a:extLst>
+              <a:ext uri="{FF2B5EF4-FFF2-40B4-BE49-F238E27FC236}">
+                <a16:creationId xmlns:a16="http://schemas.microsoft.com/office/drawing/2014/main" id="{B6C09BA8-F024-45C9-AB65-D6A2975B6BF4}"/>
+              </a:ext>
+            </a:extLst>
+          </p:cNvPr>
+          <p:cNvSpPr>
+            <a:spLocks noGrp="1"/>
+          </p:cNvSpPr>
+          <p:nvPr>
+            <p:ph idx="1"/>
+          </p:nvPr>
+        </p:nvSpPr>
+        <p:spPr/>
+        <p:txBody>
+          <a:bodyPr>
+            <a:normAutofit lnSpcReduction="10000"/>
+          </a:bodyPr>
+          <a:lstStyle/>
+          <a:p>
+            <a:r>
+              <a:rPr lang="en-US" sz="2400" dirty="0"/>
+              <a:t>Parallel GET and PUT parallel will be increase the usage of network throughput </a:t>
+            </a:r>
+          </a:p>
+          <a:p>
+            <a:r>
+              <a:rPr lang="en-US" sz="2400" dirty="0"/>
+              <a:t>Using MD5 hash function not only make it easy to check also, makes it easy to rebuild the Metadata server in case of data loss</a:t>
+            </a:r>
+          </a:p>
+          <a:p>
+            <a:r>
+              <a:rPr lang="en-US" sz="2400" dirty="0"/>
+              <a:t>MPI makes it possible to not only utilize the network throughput also, it utilizes processors and resources in management server</a:t>
+            </a:r>
+          </a:p>
+          <a:p>
+            <a:r>
+              <a:rPr lang="en-US" sz="2400" dirty="0"/>
+              <a:t>Controllable record of data locations and potential for increased flexibility</a:t>
+            </a:r>
+          </a:p>
+        </p:txBody>
+      </p:sp>
+    </p:spTree>
+    <p:extLst>
+      <p:ext uri="{BB962C8B-B14F-4D97-AF65-F5344CB8AC3E}">
+        <p14:creationId xmlns:p14="http://schemas.microsoft.com/office/powerpoint/2010/main" val="1574067609"/>
+      </p:ext>
+    </p:extLst>
+  </p:cSld>
+  <p:clrMapOvr>
+    <a:masterClrMapping/>
+  </p:clrMapOvr>
+</p:sld>
+</file>
+
+<file path=ppt/slides/slide21.xml><?xml version="1.0" encoding="utf-8"?>
+<p:sld xmlns:a="http://schemas.openxmlformats.org/drawingml/2006/main" xmlns:r="http://schemas.openxmlformats.org/officeDocument/2006/relationships" xmlns:p="http://schemas.openxmlformats.org/presentationml/2006/main">
+  <p:cSld>
+    <p:spTree>
+      <p:nvGrpSpPr>
+        <p:cNvPr id="1" name=""/>
+        <p:cNvGrpSpPr/>
+        <p:nvPr/>
+      </p:nvGrpSpPr>
+      <p:grpSpPr>
+        <a:xfrm>
+          <a:off x="0" y="0"/>
+          <a:ext cx="0" cy="0"/>
+          <a:chOff x="0" y="0"/>
+          <a:chExt cx="0" cy="0"/>
+        </a:xfrm>
+      </p:grpSpPr>
+      <p:sp>
+        <p:nvSpPr>
+          <p:cNvPr id="3" name="Content Placeholder 2">
+            <a:extLst>
+              <a:ext uri="{FF2B5EF4-FFF2-40B4-BE49-F238E27FC236}">
+                <a16:creationId xmlns:a16="http://schemas.microsoft.com/office/drawing/2014/main" id="{BBE978A8-351D-4D5A-9064-F36D6C229991}"/>
+              </a:ext>
+            </a:extLst>
+          </p:cNvPr>
+          <p:cNvSpPr>
+            <a:spLocks noGrp="1"/>
+          </p:cNvSpPr>
+          <p:nvPr>
+            <p:ph idx="1"/>
+          </p:nvPr>
+        </p:nvSpPr>
+        <p:spPr/>
+        <p:txBody>
+          <a:bodyPr>
+            <a:normAutofit/>
+          </a:bodyPr>
+          <a:lstStyle/>
+          <a:p>
+            <a:pPr marL="0" indent="0">
+              <a:buNone/>
+            </a:pPr>
+            <a:r>
+              <a:rPr lang="en-US" sz="8800" dirty="0"/>
+              <a:t>Questions?</a:t>
+            </a:r>
+          </a:p>
+        </p:txBody>
+      </p:sp>
+    </p:spTree>
+    <p:extLst>
+      <p:ext uri="{BB962C8B-B14F-4D97-AF65-F5344CB8AC3E}">
+        <p14:creationId xmlns:p14="http://schemas.microsoft.com/office/powerpoint/2010/main" val="1428429251"/>
       </p:ext>
     </p:extLst>
   </p:cSld>
@@ -12730,7 +15509,7 @@
           <a:p>
             <a:r>
               <a:rPr lang="en-US" dirty="0"/>
-              <a:t>Google Cloud</a:t>
+              <a:t>Google Cloud (required)</a:t>
             </a:r>
           </a:p>
           <a:p>
@@ -12759,6 +15538,34 @@
             <a:r>
               <a:rPr lang="en-US" dirty="0"/>
               <a:t>Service account and local credentials (json)</a:t>
+            </a:r>
+          </a:p>
+          <a:p>
+            <a:r>
+              <a:rPr lang="en-US" dirty="0"/>
+              <a:t>AWS (optional)</a:t>
+            </a:r>
+          </a:p>
+          <a:p>
+            <a:pPr lvl="1"/>
+            <a:r>
+              <a:rPr lang="en-US" dirty="0"/>
+              <a:t>Account with access to S3</a:t>
+            </a:r>
+          </a:p>
+          <a:p>
+            <a:pPr lvl="1"/>
+            <a:r>
+              <a:rPr lang="en-US" dirty="0"/>
+              <a:t>Access Keys/Codes (~/.</a:t>
+            </a:r>
+            <a:r>
+              <a:rPr lang="en-US" dirty="0" err="1"/>
+              <a:t>aws</a:t>
+            </a:r>
+            <a:r>
+              <a:rPr lang="en-US" dirty="0"/>
+              <a:t>/credentials)</a:t>
             </a:r>
           </a:p>
           <a:p>
@@ -14092,4 +16899,299 @@
     </a:ext>
   </a:extLst>
 </a:theme>
+</file>
+
+<file path=ppt/theme/theme2.xml><?xml version="1.0" encoding="utf-8"?>
+<a:theme xmlns:a="http://schemas.openxmlformats.org/drawingml/2006/main" name="Office Theme">
+  <a:themeElements>
+    <a:clrScheme name="Office">
+      <a:dk1>
+        <a:sysClr val="windowText" lastClr="000000"/>
+      </a:dk1>
+      <a:lt1>
+        <a:sysClr val="window" lastClr="FFFFFF"/>
+      </a:lt1>
+      <a:dk2>
+        <a:srgbClr val="44546A"/>
+      </a:dk2>
+      <a:lt2>
+        <a:srgbClr val="E7E6E6"/>
+      </a:lt2>
+      <a:accent1>
+        <a:srgbClr val="4472C4"/>
+      </a:accent1>
+      <a:accent2>
+        <a:srgbClr val="ED7D31"/>
+      </a:accent2>
+      <a:accent3>
+        <a:srgbClr val="A5A5A5"/>
+      </a:accent3>
+      <a:accent4>
+        <a:srgbClr val="FFC000"/>
+      </a:accent4>
+      <a:accent5>
+        <a:srgbClr val="5B9BD5"/>
+      </a:accent5>
+      <a:accent6>
+        <a:srgbClr val="70AD47"/>
+      </a:accent6>
+      <a:hlink>
+        <a:srgbClr val="0563C1"/>
+      </a:hlink>
+      <a:folHlink>
+        <a:srgbClr val="954F72"/>
+      </a:folHlink>
+    </a:clrScheme>
+    <a:fontScheme name="Office">
+      <a:majorFont>
+        <a:latin typeface="Calibri Light" panose="020F0302020204030204"/>
+        <a:ea typeface=""/>
+        <a:cs typeface=""/>
+        <a:font script="Jpan" typeface="游ゴシック Light"/>
+        <a:font script="Hang" typeface="맑은 고딕"/>
+        <a:font script="Hans" typeface="等线 Light"/>
+        <a:font script="Hant" typeface="新細明體"/>
+        <a:font script="Arab" typeface="Times New Roman"/>
+        <a:font script="Hebr" typeface="Times New Roman"/>
+        <a:font script="Thai" typeface="Angsana New"/>
+        <a:font script="Ethi" typeface="Nyala"/>
+        <a:font script="Beng" typeface="Vrinda"/>
+        <a:font script="Gujr" typeface="Shruti"/>
+        <a:font script="Khmr" typeface="MoolBoran"/>
+        <a:font script="Knda" typeface="Tunga"/>
+        <a:font script="Guru" typeface="Raavi"/>
+        <a:font script="Cans" typeface="Euphemia"/>
+        <a:font script="Cher" typeface="Plantagenet Cherokee"/>
+        <a:font script="Yiii" typeface="Microsoft Yi Baiti"/>
+        <a:font script="Tibt" typeface="Microsoft Himalaya"/>
+        <a:font script="Thaa" typeface="MV Boli"/>
+        <a:font script="Deva" typeface="Mangal"/>
+        <a:font script="Telu" typeface="Gautami"/>
+        <a:font script="Taml" typeface="Latha"/>
+        <a:font script="Syrc" typeface="Estrangelo Edessa"/>
+        <a:font script="Orya" typeface="Kalinga"/>
+        <a:font script="Mlym" typeface="Kartika"/>
+        <a:font script="Laoo" typeface="DokChampa"/>
+        <a:font script="Sinh" typeface="Iskoola Pota"/>
+        <a:font script="Mong" typeface="Mongolian Baiti"/>
+        <a:font script="Viet" typeface="Times New Roman"/>
+        <a:font script="Uigh" typeface="Microsoft Uighur"/>
+        <a:font script="Geor" typeface="Sylfaen"/>
+        <a:font script="Armn" typeface="Arial"/>
+        <a:font script="Bugi" typeface="Leelawadee UI"/>
+        <a:font script="Bopo" typeface="Microsoft JhengHei"/>
+        <a:font script="Java" typeface="Javanese Text"/>
+        <a:font script="Lisu" typeface="Segoe UI"/>
+        <a:font script="Mymr" typeface="Myanmar Text"/>
+        <a:font script="Nkoo" typeface="Ebrima"/>
+        <a:font script="Olck" typeface="Nirmala UI"/>
+        <a:font script="Osma" typeface="Ebrima"/>
+        <a:font script="Phag" typeface="Phagspa"/>
+        <a:font script="Syrn" typeface="Estrangelo Edessa"/>
+        <a:font script="Syrj" typeface="Estrangelo Edessa"/>
+        <a:font script="Syre" typeface="Estrangelo Edessa"/>
+        <a:font script="Sora" typeface="Nirmala UI"/>
+        <a:font script="Tale" typeface="Microsoft Tai Le"/>
+        <a:font script="Talu" typeface="Microsoft New Tai Lue"/>
+        <a:font script="Tfng" typeface="Ebrima"/>
+      </a:majorFont>
+      <a:minorFont>
+        <a:latin typeface="Calibri" panose="020F0502020204030204"/>
+        <a:ea typeface=""/>
+        <a:cs typeface=""/>
+        <a:font script="Jpan" typeface="游ゴシック"/>
+        <a:font script="Hang" typeface="맑은 고딕"/>
+        <a:font script="Hans" typeface="等线"/>
+        <a:font script="Hant" typeface="新細明體"/>
+        <a:font script="Arab" typeface="Arial"/>
+        <a:font script="Hebr" typeface="Arial"/>
+        <a:font script="Thai" typeface="Cordia New"/>
+        <a:font script="Ethi" typeface="Nyala"/>
+        <a:font script="Beng" typeface="Vrinda"/>
+        <a:font script="Gujr" typeface="Shruti"/>
+        <a:font script="Khmr" typeface="DaunPenh"/>
+        <a:font script="Knda" typeface="Tunga"/>
+        <a:font script="Guru" typeface="Raavi"/>
+        <a:font script="Cans" typeface="Euphemia"/>
+        <a:font script="Cher" typeface="Plantagenet Cherokee"/>
+        <a:font script="Yiii" typeface="Microsoft Yi Baiti"/>
+        <a:font script="Tibt" typeface="Microsoft Himalaya"/>
+        <a:font script="Thaa" typeface="MV Boli"/>
+        <a:font script="Deva" typeface="Mangal"/>
+        <a:font script="Telu" typeface="Gautami"/>
+        <a:font script="Taml" typeface="Latha"/>
+        <a:font script="Syrc" typeface="Estrangelo Edessa"/>
+        <a:font script="Orya" typeface="Kalinga"/>
+        <a:font script="Mlym" typeface="Kartika"/>
+        <a:font script="Laoo" typeface="DokChampa"/>
+        <a:font script="Sinh" typeface="Iskoola Pota"/>
+        <a:font script="Mong" typeface="Mongolian Baiti"/>
+        <a:font script="Viet" typeface="Arial"/>
+        <a:font script="Uigh" typeface="Microsoft Uighur"/>
+        <a:font script="Geor" typeface="Sylfaen"/>
+        <a:font script="Armn" typeface="Arial"/>
+        <a:font script="Bugi" typeface="Leelawadee UI"/>
+        <a:font script="Bopo" typeface="Microsoft JhengHei"/>
+        <a:font script="Java" typeface="Javanese Text"/>
+        <a:font script="Lisu" typeface="Segoe UI"/>
+        <a:font script="Mymr" typeface="Myanmar Text"/>
+        <a:font script="Nkoo" typeface="Ebrima"/>
+        <a:font script="Olck" typeface="Nirmala UI"/>
+        <a:font script="Osma" typeface="Ebrima"/>
+        <a:font script="Phag" typeface="Phagspa"/>
+        <a:font script="Syrn" typeface="Estrangelo Edessa"/>
+        <a:font script="Syrj" typeface="Estrangelo Edessa"/>
+        <a:font script="Syre" typeface="Estrangelo Edessa"/>
+        <a:font script="Sora" typeface="Nirmala UI"/>
+        <a:font script="Tale" typeface="Microsoft Tai Le"/>
+        <a:font script="Talu" typeface="Microsoft New Tai Lue"/>
+        <a:font script="Tfng" typeface="Ebrima"/>
+      </a:minorFont>
+    </a:fontScheme>
+    <a:fmtScheme name="Office">
+      <a:fillStyleLst>
+        <a:solidFill>
+          <a:schemeClr val="phClr"/>
+        </a:solidFill>
+        <a:gradFill rotWithShape="1">
+          <a:gsLst>
+            <a:gs pos="0">
+              <a:schemeClr val="phClr">
+                <a:lumMod val="110000"/>
+                <a:satMod val="105000"/>
+                <a:tint val="67000"/>
+              </a:schemeClr>
+            </a:gs>
+            <a:gs pos="50000">
+              <a:schemeClr val="phClr">
+                <a:lumMod val="105000"/>
+                <a:satMod val="103000"/>
+                <a:tint val="73000"/>
+              </a:schemeClr>
+            </a:gs>
+            <a:gs pos="100000">
+              <a:schemeClr val="phClr">
+                <a:lumMod val="105000"/>
+                <a:satMod val="109000"/>
+                <a:tint val="81000"/>
+              </a:schemeClr>
+            </a:gs>
+          </a:gsLst>
+          <a:lin ang="5400000" scaled="0"/>
+        </a:gradFill>
+        <a:gradFill rotWithShape="1">
+          <a:gsLst>
+            <a:gs pos="0">
+              <a:schemeClr val="phClr">
+                <a:satMod val="103000"/>
+                <a:lumMod val="102000"/>
+                <a:tint val="94000"/>
+              </a:schemeClr>
+            </a:gs>
+            <a:gs pos="50000">
+              <a:schemeClr val="phClr">
+                <a:satMod val="110000"/>
+                <a:lumMod val="100000"/>
+                <a:shade val="100000"/>
+              </a:schemeClr>
+            </a:gs>
+            <a:gs pos="100000">
+              <a:schemeClr val="phClr">
+                <a:lumMod val="99000"/>
+                <a:satMod val="120000"/>
+                <a:shade val="78000"/>
+              </a:schemeClr>
+            </a:gs>
+          </a:gsLst>
+          <a:lin ang="5400000" scaled="0"/>
+        </a:gradFill>
+      </a:fillStyleLst>
+      <a:lnStyleLst>
+        <a:ln w="6350" cap="flat" cmpd="sng" algn="ctr">
+          <a:solidFill>
+            <a:schemeClr val="phClr"/>
+          </a:solidFill>
+          <a:prstDash val="solid"/>
+          <a:miter lim="800000"/>
+        </a:ln>
+        <a:ln w="12700" cap="flat" cmpd="sng" algn="ctr">
+          <a:solidFill>
+            <a:schemeClr val="phClr"/>
+          </a:solidFill>
+          <a:prstDash val="solid"/>
+          <a:miter lim="800000"/>
+        </a:ln>
+        <a:ln w="19050" cap="flat" cmpd="sng" algn="ctr">
+          <a:solidFill>
+            <a:schemeClr val="phClr"/>
+          </a:solidFill>
+          <a:prstDash val="solid"/>
+          <a:miter lim="800000"/>
+        </a:ln>
+      </a:lnStyleLst>
+      <a:effectStyleLst>
+        <a:effectStyle>
+          <a:effectLst/>
+        </a:effectStyle>
+        <a:effectStyle>
+          <a:effectLst/>
+        </a:effectStyle>
+        <a:effectStyle>
+          <a:effectLst>
+            <a:outerShdw blurRad="57150" dist="19050" dir="5400000" algn="ctr" rotWithShape="0">
+              <a:srgbClr val="000000">
+                <a:alpha val="63000"/>
+              </a:srgbClr>
+            </a:outerShdw>
+          </a:effectLst>
+        </a:effectStyle>
+      </a:effectStyleLst>
+      <a:bgFillStyleLst>
+        <a:solidFill>
+          <a:schemeClr val="phClr"/>
+        </a:solidFill>
+        <a:solidFill>
+          <a:schemeClr val="phClr">
+            <a:tint val="95000"/>
+            <a:satMod val="170000"/>
+          </a:schemeClr>
+        </a:solidFill>
+        <a:gradFill rotWithShape="1">
+          <a:gsLst>
+            <a:gs pos="0">
+              <a:schemeClr val="phClr">
+                <a:tint val="93000"/>
+                <a:satMod val="150000"/>
+                <a:shade val="98000"/>
+                <a:lumMod val="102000"/>
+              </a:schemeClr>
+            </a:gs>
+            <a:gs pos="50000">
+              <a:schemeClr val="phClr">
+                <a:tint val="98000"/>
+                <a:satMod val="130000"/>
+                <a:shade val="90000"/>
+                <a:lumMod val="103000"/>
+              </a:schemeClr>
+            </a:gs>
+            <a:gs pos="100000">
+              <a:schemeClr val="phClr">
+                <a:shade val="63000"/>
+                <a:satMod val="120000"/>
+              </a:schemeClr>
+            </a:gs>
+          </a:gsLst>
+          <a:lin ang="5400000" scaled="0"/>
+        </a:gradFill>
+      </a:bgFillStyleLst>
+    </a:fmtScheme>
+  </a:themeElements>
+  <a:objectDefaults/>
+  <a:extraClrSchemeLst/>
+  <a:extLst>
+    <a:ext uri="{05A4C25C-085E-4340-85A3-A5531E510DB2}">
+      <thm15:themeFamily xmlns:thm15="http://schemas.microsoft.com/office/thememl/2012/main" name="Office Theme" id="{62F939B6-93AF-4DB8-9C6B-D6C7DFDC589F}" vid="{4A3C46E8-61CC-4603-A589-7422A47A8E4A}"/>
+    </a:ext>
+  </a:extLst>
+</a:theme>
 </file>